--- a/ppts/CQRS.pptx
+++ b/ppts/CQRS.pptx
@@ -15,6 +15,11 @@
     <p:sldId id="259" r:id="rId9"/>
     <p:sldId id="262" r:id="rId10"/>
     <p:sldId id="265" r:id="rId11"/>
+    <p:sldId id="267" r:id="rId12"/>
+    <p:sldId id="268" r:id="rId13"/>
+    <p:sldId id="269" r:id="rId14"/>
+    <p:sldId id="270" r:id="rId15"/>
+    <p:sldId id="271" r:id="rId16"/>
   </p:sldIdLst>
   <p:sldSz cx="12192000" cy="6858000"/>
   <p:notesSz cx="6858000" cy="9144000"/>
@@ -270,7 +275,7 @@
           <a:p>
             <a:fld id="{6AD098D9-5174-4A38-852F-74599A9700EF}" type="datetimeFigureOut">
               <a:rPr lang="en-IN" smtClean="0"/>
-              <a:t>16-03-2022</a:t>
+              <a:t>27-05-2022</a:t>
             </a:fld>
             <a:endParaRPr lang="en-IN"/>
           </a:p>
@@ -470,7 +475,7 @@
           <a:p>
             <a:fld id="{6AD098D9-5174-4A38-852F-74599A9700EF}" type="datetimeFigureOut">
               <a:rPr lang="en-IN" smtClean="0"/>
-              <a:t>16-03-2022</a:t>
+              <a:t>27-05-2022</a:t>
             </a:fld>
             <a:endParaRPr lang="en-IN"/>
           </a:p>
@@ -680,7 +685,7 @@
           <a:p>
             <a:fld id="{6AD098D9-5174-4A38-852F-74599A9700EF}" type="datetimeFigureOut">
               <a:rPr lang="en-IN" smtClean="0"/>
-              <a:t>16-03-2022</a:t>
+              <a:t>27-05-2022</a:t>
             </a:fld>
             <a:endParaRPr lang="en-IN"/>
           </a:p>
@@ -880,7 +885,7 @@
           <a:p>
             <a:fld id="{6AD098D9-5174-4A38-852F-74599A9700EF}" type="datetimeFigureOut">
               <a:rPr lang="en-IN" smtClean="0"/>
-              <a:t>16-03-2022</a:t>
+              <a:t>27-05-2022</a:t>
             </a:fld>
             <a:endParaRPr lang="en-IN"/>
           </a:p>
@@ -1156,7 +1161,7 @@
           <a:p>
             <a:fld id="{6AD098D9-5174-4A38-852F-74599A9700EF}" type="datetimeFigureOut">
               <a:rPr lang="en-IN" smtClean="0"/>
-              <a:t>16-03-2022</a:t>
+              <a:t>27-05-2022</a:t>
             </a:fld>
             <a:endParaRPr lang="en-IN"/>
           </a:p>
@@ -1424,7 +1429,7 @@
           <a:p>
             <a:fld id="{6AD098D9-5174-4A38-852F-74599A9700EF}" type="datetimeFigureOut">
               <a:rPr lang="en-IN" smtClean="0"/>
-              <a:t>16-03-2022</a:t>
+              <a:t>27-05-2022</a:t>
             </a:fld>
             <a:endParaRPr lang="en-IN"/>
           </a:p>
@@ -1839,7 +1844,7 @@
           <a:p>
             <a:fld id="{6AD098D9-5174-4A38-852F-74599A9700EF}" type="datetimeFigureOut">
               <a:rPr lang="en-IN" smtClean="0"/>
-              <a:t>16-03-2022</a:t>
+              <a:t>27-05-2022</a:t>
             </a:fld>
             <a:endParaRPr lang="en-IN"/>
           </a:p>
@@ -1981,7 +1986,7 @@
           <a:p>
             <a:fld id="{6AD098D9-5174-4A38-852F-74599A9700EF}" type="datetimeFigureOut">
               <a:rPr lang="en-IN" smtClean="0"/>
-              <a:t>16-03-2022</a:t>
+              <a:t>27-05-2022</a:t>
             </a:fld>
             <a:endParaRPr lang="en-IN"/>
           </a:p>
@@ -2094,7 +2099,7 @@
           <a:p>
             <a:fld id="{6AD098D9-5174-4A38-852F-74599A9700EF}" type="datetimeFigureOut">
               <a:rPr lang="en-IN" smtClean="0"/>
-              <a:t>16-03-2022</a:t>
+              <a:t>27-05-2022</a:t>
             </a:fld>
             <a:endParaRPr lang="en-IN"/>
           </a:p>
@@ -2407,7 +2412,7 @@
           <a:p>
             <a:fld id="{6AD098D9-5174-4A38-852F-74599A9700EF}" type="datetimeFigureOut">
               <a:rPr lang="en-IN" smtClean="0"/>
-              <a:t>16-03-2022</a:t>
+              <a:t>27-05-2022</a:t>
             </a:fld>
             <a:endParaRPr lang="en-IN"/>
           </a:p>
@@ -2696,7 +2701,7 @@
           <a:p>
             <a:fld id="{6AD098D9-5174-4A38-852F-74599A9700EF}" type="datetimeFigureOut">
               <a:rPr lang="en-IN" smtClean="0"/>
-              <a:t>16-03-2022</a:t>
+              <a:t>27-05-2022</a:t>
             </a:fld>
             <a:endParaRPr lang="en-IN"/>
           </a:p>
@@ -2939,7 +2944,7 @@
           <a:p>
             <a:fld id="{6AD098D9-5174-4A38-852F-74599A9700EF}" type="datetimeFigureOut">
               <a:rPr lang="en-IN" smtClean="0"/>
-              <a:t>16-03-2022</a:t>
+              <a:t>27-05-2022</a:t>
             </a:fld>
             <a:endParaRPr lang="en-IN"/>
           </a:p>
@@ -3429,6 +3434,3503 @@
 </p:sld>
 </file>
 
+<file path=ppt/slides/slide11.xml><?xml version="1.0" encoding="utf-8"?>
+<p:sld xmlns:a="http://schemas.openxmlformats.org/drawingml/2006/main" xmlns:r="http://schemas.openxmlformats.org/officeDocument/2006/relationships" xmlns:p="http://schemas.openxmlformats.org/presentationml/2006/main">
+  <p:cSld>
+    <p:spTree>
+      <p:nvGrpSpPr>
+        <p:cNvPr id="1" name=""/>
+        <p:cNvGrpSpPr/>
+        <p:nvPr/>
+      </p:nvGrpSpPr>
+      <p:grpSpPr>
+        <a:xfrm>
+          <a:off x="0" y="0"/>
+          <a:ext cx="0" cy="0"/>
+          <a:chOff x="0" y="0"/>
+          <a:chExt cx="0" cy="0"/>
+        </a:xfrm>
+      </p:grpSpPr>
+      <p:sp>
+        <p:nvSpPr>
+          <p:cNvPr id="3" name="TextBox 2">
+            <a:extLst>
+              <a:ext uri="{FF2B5EF4-FFF2-40B4-BE49-F238E27FC236}">
+                <a16:creationId xmlns:a16="http://schemas.microsoft.com/office/drawing/2014/main" id="{545575C4-C998-43A5-8514-4002655BD989}"/>
+              </a:ext>
+            </a:extLst>
+          </p:cNvPr>
+          <p:cNvSpPr txBox="1"/>
+          <p:nvPr/>
+        </p:nvSpPr>
+        <p:spPr>
+          <a:xfrm>
+            <a:off x="327259" y="1164134"/>
+            <a:ext cx="7170821" cy="5693866"/>
+          </a:xfrm>
+          <a:prstGeom prst="rect">
+            <a:avLst/>
+          </a:prstGeom>
+          <a:noFill/>
+        </p:spPr>
+        <p:txBody>
+          <a:bodyPr wrap="square">
+            <a:spAutoFit/>
+          </a:bodyPr>
+          <a:lstStyle/>
+          <a:p>
+            <a:pPr algn="l" latinLnBrk="0"/>
+            <a:r>
+              <a:rPr lang="en-US" sz="2800" b="0" i="0" dirty="0">
+                <a:solidFill>
+                  <a:srgbClr val="000000"/>
+                </a:solidFill>
+                <a:effectLst/>
+                <a:latin typeface="-apple-system"/>
+              </a:rPr>
+              <a:t>Axon Framework that adheres to Domain Driven Design (DDD) principles supports microservices patterns with such as Command-Query-Responsibility-Segregation (CQRS) and Event-Driven Architecture in addition to DDD.</a:t>
+            </a:r>
+          </a:p>
+          <a:p>
+            <a:pPr algn="l" latinLnBrk="0"/>
+            <a:r>
+              <a:rPr lang="en-US" sz="2800" b="0" i="0" dirty="0">
+                <a:solidFill>
+                  <a:srgbClr val="000000"/>
+                </a:solidFill>
+                <a:effectLst/>
+                <a:latin typeface="-apple-system"/>
+              </a:rPr>
+              <a:t>For creating DDD, CQRS, and Event Sourcing applications, the open source Axon Framework provides a clear, attractive Java API. It includes basic building blocks for creating aggregates, commands, queries, events, sagas, command handlers, event handlers, query handlers, repositories, and communication buses, among other things.</a:t>
+            </a:r>
+          </a:p>
+        </p:txBody>
+      </p:sp>
+      <p:sp>
+        <p:nvSpPr>
+          <p:cNvPr id="4" name="TextBox 3">
+            <a:extLst>
+              <a:ext uri="{FF2B5EF4-FFF2-40B4-BE49-F238E27FC236}">
+                <a16:creationId xmlns:a16="http://schemas.microsoft.com/office/drawing/2014/main" id="{FBEB6CA1-505C-4B56-ACDE-F078E3A268B6}"/>
+              </a:ext>
+            </a:extLst>
+          </p:cNvPr>
+          <p:cNvSpPr txBox="1"/>
+          <p:nvPr/>
+        </p:nvSpPr>
+        <p:spPr>
+          <a:xfrm>
+            <a:off x="1645920" y="298384"/>
+            <a:ext cx="6612556" cy="646331"/>
+          </a:xfrm>
+          <a:prstGeom prst="rect">
+            <a:avLst/>
+          </a:prstGeom>
+        </p:spPr>
+        <p:style>
+          <a:lnRef idx="2">
+            <a:schemeClr val="accent1">
+              <a:shade val="50000"/>
+            </a:schemeClr>
+          </a:lnRef>
+          <a:fillRef idx="1">
+            <a:schemeClr val="accent1"/>
+          </a:fillRef>
+          <a:effectRef idx="0">
+            <a:schemeClr val="accent1"/>
+          </a:effectRef>
+          <a:fontRef idx="minor">
+            <a:schemeClr val="lt1"/>
+          </a:fontRef>
+        </p:style>
+        <p:txBody>
+          <a:bodyPr wrap="square" rtlCol="0">
+            <a:spAutoFit/>
+          </a:bodyPr>
+          <a:lstStyle/>
+          <a:p>
+            <a:pPr algn="ctr"/>
+            <a:r>
+              <a:rPr lang="en-US" sz="3600" dirty="0"/>
+              <a:t>Axon Framework</a:t>
+            </a:r>
+            <a:endParaRPr lang="en-IN" sz="3600" dirty="0"/>
+          </a:p>
+        </p:txBody>
+      </p:sp>
+      <p:sp>
+        <p:nvSpPr>
+          <p:cNvPr id="6" name="TextBox 5">
+            <a:extLst>
+              <a:ext uri="{FF2B5EF4-FFF2-40B4-BE49-F238E27FC236}">
+                <a16:creationId xmlns:a16="http://schemas.microsoft.com/office/drawing/2014/main" id="{AB146EC3-6609-49D8-9DF7-C94827FAD61D}"/>
+              </a:ext>
+            </a:extLst>
+          </p:cNvPr>
+          <p:cNvSpPr txBox="1"/>
+          <p:nvPr/>
+        </p:nvSpPr>
+        <p:spPr>
+          <a:xfrm>
+            <a:off x="7392202" y="1376411"/>
+            <a:ext cx="4283242" cy="2031325"/>
+          </a:xfrm>
+          <a:prstGeom prst="rect">
+            <a:avLst/>
+          </a:prstGeom>
+          <a:noFill/>
+        </p:spPr>
+        <p:txBody>
+          <a:bodyPr wrap="square">
+            <a:spAutoFit/>
+          </a:bodyPr>
+          <a:lstStyle/>
+          <a:p>
+            <a:pPr algn="l"/>
+            <a:r>
+              <a:rPr lang="en-IN" sz="1800" dirty="0">
+                <a:solidFill>
+                  <a:srgbClr val="008080"/>
+                </a:solidFill>
+                <a:latin typeface="Consolas" panose="020B0609020204030204" pitchFamily="49" charset="0"/>
+              </a:rPr>
+              <a:t>&lt;</a:t>
+            </a:r>
+            <a:r>
+              <a:rPr lang="en-IN" sz="1800" dirty="0">
+                <a:solidFill>
+                  <a:srgbClr val="3F7F7F"/>
+                </a:solidFill>
+                <a:latin typeface="Consolas" panose="020B0609020204030204" pitchFamily="49" charset="0"/>
+              </a:rPr>
+              <a:t>dependency</a:t>
+            </a:r>
+            <a:r>
+              <a:rPr lang="en-IN" sz="1800" dirty="0">
+                <a:solidFill>
+                  <a:srgbClr val="008080"/>
+                </a:solidFill>
+                <a:latin typeface="Consolas" panose="020B0609020204030204" pitchFamily="49" charset="0"/>
+              </a:rPr>
+              <a:t>&gt;</a:t>
+            </a:r>
+          </a:p>
+          <a:p>
+            <a:pPr algn="l"/>
+            <a:r>
+              <a:rPr lang="en-IN" sz="1800" dirty="0">
+                <a:solidFill>
+                  <a:srgbClr val="008080"/>
+                </a:solidFill>
+                <a:latin typeface="Consolas" panose="020B0609020204030204" pitchFamily="49" charset="0"/>
+              </a:rPr>
+              <a:t>&lt;</a:t>
+            </a:r>
+            <a:r>
+              <a:rPr lang="en-IN" sz="1800" dirty="0" err="1">
+                <a:solidFill>
+                  <a:srgbClr val="3F7F7F"/>
+                </a:solidFill>
+                <a:latin typeface="Consolas" panose="020B0609020204030204" pitchFamily="49" charset="0"/>
+              </a:rPr>
+              <a:t>groupId</a:t>
+            </a:r>
+            <a:r>
+              <a:rPr lang="en-IN" sz="1800" dirty="0">
+                <a:solidFill>
+                  <a:srgbClr val="008080"/>
+                </a:solidFill>
+                <a:latin typeface="Consolas" panose="020B0609020204030204" pitchFamily="49" charset="0"/>
+              </a:rPr>
+              <a:t>&gt;</a:t>
+            </a:r>
+            <a:r>
+              <a:rPr lang="en-IN" sz="1800" dirty="0" err="1">
+                <a:solidFill>
+                  <a:srgbClr val="000000"/>
+                </a:solidFill>
+                <a:latin typeface="Consolas" panose="020B0609020204030204" pitchFamily="49" charset="0"/>
+              </a:rPr>
+              <a:t>org.axonframework</a:t>
+            </a:r>
+            <a:r>
+              <a:rPr lang="en-IN" sz="1800" dirty="0">
+                <a:solidFill>
+                  <a:srgbClr val="008080"/>
+                </a:solidFill>
+                <a:latin typeface="Consolas" panose="020B0609020204030204" pitchFamily="49" charset="0"/>
+              </a:rPr>
+              <a:t>&lt;/</a:t>
+            </a:r>
+            <a:r>
+              <a:rPr lang="en-IN" sz="1800" dirty="0" err="1">
+                <a:solidFill>
+                  <a:srgbClr val="3F7F7F"/>
+                </a:solidFill>
+                <a:latin typeface="Consolas" panose="020B0609020204030204" pitchFamily="49" charset="0"/>
+              </a:rPr>
+              <a:t>groupId</a:t>
+            </a:r>
+            <a:r>
+              <a:rPr lang="en-IN" sz="1800" dirty="0">
+                <a:solidFill>
+                  <a:srgbClr val="008080"/>
+                </a:solidFill>
+                <a:latin typeface="Consolas" panose="020B0609020204030204" pitchFamily="49" charset="0"/>
+              </a:rPr>
+              <a:t>&gt;</a:t>
+            </a:r>
+          </a:p>
+          <a:p>
+            <a:pPr algn="l"/>
+            <a:r>
+              <a:rPr lang="en-IN" sz="1800" dirty="0">
+                <a:solidFill>
+                  <a:srgbClr val="008080"/>
+                </a:solidFill>
+                <a:latin typeface="Consolas" panose="020B0609020204030204" pitchFamily="49" charset="0"/>
+              </a:rPr>
+              <a:t>&lt;</a:t>
+            </a:r>
+            <a:r>
+              <a:rPr lang="en-IN" sz="1800" dirty="0" err="1">
+                <a:solidFill>
+                  <a:srgbClr val="3F7F7F"/>
+                </a:solidFill>
+                <a:latin typeface="Consolas" panose="020B0609020204030204" pitchFamily="49" charset="0"/>
+              </a:rPr>
+              <a:t>artifactId</a:t>
+            </a:r>
+            <a:r>
+              <a:rPr lang="en-IN" sz="1800" dirty="0">
+                <a:solidFill>
+                  <a:srgbClr val="008080"/>
+                </a:solidFill>
+                <a:latin typeface="Consolas" panose="020B0609020204030204" pitchFamily="49" charset="0"/>
+              </a:rPr>
+              <a:t>&gt;</a:t>
+            </a:r>
+            <a:r>
+              <a:rPr lang="en-IN" sz="1800" dirty="0">
+                <a:solidFill>
+                  <a:srgbClr val="000000"/>
+                </a:solidFill>
+                <a:latin typeface="Consolas" panose="020B0609020204030204" pitchFamily="49" charset="0"/>
+              </a:rPr>
+              <a:t>axon-spring-boot-starter</a:t>
+            </a:r>
+            <a:r>
+              <a:rPr lang="en-IN" sz="1800" dirty="0">
+                <a:solidFill>
+                  <a:srgbClr val="008080"/>
+                </a:solidFill>
+                <a:latin typeface="Consolas" panose="020B0609020204030204" pitchFamily="49" charset="0"/>
+              </a:rPr>
+              <a:t>&lt;/</a:t>
+            </a:r>
+            <a:r>
+              <a:rPr lang="en-IN" sz="1800" dirty="0" err="1">
+                <a:solidFill>
+                  <a:srgbClr val="3F7F7F"/>
+                </a:solidFill>
+                <a:latin typeface="Consolas" panose="020B0609020204030204" pitchFamily="49" charset="0"/>
+              </a:rPr>
+              <a:t>artifactId</a:t>
+            </a:r>
+            <a:r>
+              <a:rPr lang="en-IN" sz="1800" dirty="0">
+                <a:solidFill>
+                  <a:srgbClr val="008080"/>
+                </a:solidFill>
+                <a:latin typeface="Consolas" panose="020B0609020204030204" pitchFamily="49" charset="0"/>
+              </a:rPr>
+              <a:t>&gt;</a:t>
+            </a:r>
+          </a:p>
+          <a:p>
+            <a:pPr algn="l"/>
+            <a:r>
+              <a:rPr lang="en-IN" sz="1800" dirty="0">
+                <a:solidFill>
+                  <a:srgbClr val="008080"/>
+                </a:solidFill>
+                <a:latin typeface="Consolas" panose="020B0609020204030204" pitchFamily="49" charset="0"/>
+              </a:rPr>
+              <a:t>&lt;</a:t>
+            </a:r>
+            <a:r>
+              <a:rPr lang="en-IN" sz="1800" dirty="0">
+                <a:solidFill>
+                  <a:srgbClr val="3F7F7F"/>
+                </a:solidFill>
+                <a:latin typeface="Consolas" panose="020B0609020204030204" pitchFamily="49" charset="0"/>
+              </a:rPr>
+              <a:t>version</a:t>
+            </a:r>
+            <a:r>
+              <a:rPr lang="en-IN" sz="1800" dirty="0">
+                <a:solidFill>
+                  <a:srgbClr val="008080"/>
+                </a:solidFill>
+                <a:latin typeface="Consolas" panose="020B0609020204030204" pitchFamily="49" charset="0"/>
+              </a:rPr>
+              <a:t>&gt;</a:t>
+            </a:r>
+            <a:r>
+              <a:rPr lang="en-IN" sz="1800" dirty="0">
+                <a:solidFill>
+                  <a:srgbClr val="000000"/>
+                </a:solidFill>
+                <a:latin typeface="Consolas" panose="020B0609020204030204" pitchFamily="49" charset="0"/>
+              </a:rPr>
+              <a:t>4.5.3</a:t>
+            </a:r>
+            <a:r>
+              <a:rPr lang="en-IN" sz="1800" dirty="0">
+                <a:solidFill>
+                  <a:srgbClr val="008080"/>
+                </a:solidFill>
+                <a:latin typeface="Consolas" panose="020B0609020204030204" pitchFamily="49" charset="0"/>
+              </a:rPr>
+              <a:t>&lt;/</a:t>
+            </a:r>
+            <a:r>
+              <a:rPr lang="en-IN" sz="1800" dirty="0">
+                <a:solidFill>
+                  <a:srgbClr val="3F7F7F"/>
+                </a:solidFill>
+                <a:latin typeface="Consolas" panose="020B0609020204030204" pitchFamily="49" charset="0"/>
+              </a:rPr>
+              <a:t>version</a:t>
+            </a:r>
+            <a:r>
+              <a:rPr lang="en-IN" sz="1800" dirty="0">
+                <a:solidFill>
+                  <a:srgbClr val="008080"/>
+                </a:solidFill>
+                <a:latin typeface="Consolas" panose="020B0609020204030204" pitchFamily="49" charset="0"/>
+              </a:rPr>
+              <a:t>&gt;</a:t>
+            </a:r>
+          </a:p>
+          <a:p>
+            <a:pPr algn="l"/>
+            <a:r>
+              <a:rPr lang="en-IN" sz="1800" dirty="0">
+                <a:solidFill>
+                  <a:srgbClr val="008080"/>
+                </a:solidFill>
+                <a:latin typeface="Consolas" panose="020B0609020204030204" pitchFamily="49" charset="0"/>
+              </a:rPr>
+              <a:t>&lt;/</a:t>
+            </a:r>
+            <a:r>
+              <a:rPr lang="en-IN" sz="1800" dirty="0">
+                <a:solidFill>
+                  <a:srgbClr val="3F7F7F"/>
+                </a:solidFill>
+                <a:latin typeface="Consolas" panose="020B0609020204030204" pitchFamily="49" charset="0"/>
+              </a:rPr>
+              <a:t>dependency</a:t>
+            </a:r>
+            <a:r>
+              <a:rPr lang="en-IN" sz="1800" dirty="0">
+                <a:solidFill>
+                  <a:srgbClr val="008080"/>
+                </a:solidFill>
+                <a:latin typeface="Consolas" panose="020B0609020204030204" pitchFamily="49" charset="0"/>
+              </a:rPr>
+              <a:t>&gt;</a:t>
+            </a:r>
+            <a:endParaRPr lang="en-IN" dirty="0"/>
+          </a:p>
+        </p:txBody>
+      </p:sp>
+    </p:spTree>
+    <p:extLst>
+      <p:ext uri="{BB962C8B-B14F-4D97-AF65-F5344CB8AC3E}">
+        <p14:creationId xmlns:p14="http://schemas.microsoft.com/office/powerpoint/2010/main" val="2938782597"/>
+      </p:ext>
+    </p:extLst>
+  </p:cSld>
+  <p:clrMapOvr>
+    <a:masterClrMapping/>
+  </p:clrMapOvr>
+</p:sld>
+</file>
+
+<file path=ppt/slides/slide12.xml><?xml version="1.0" encoding="utf-8"?>
+<p:sld xmlns:a="http://schemas.openxmlformats.org/drawingml/2006/main" xmlns:r="http://schemas.openxmlformats.org/officeDocument/2006/relationships" xmlns:p="http://schemas.openxmlformats.org/presentationml/2006/main">
+  <p:cSld>
+    <p:spTree>
+      <p:nvGrpSpPr>
+        <p:cNvPr id="1" name=""/>
+        <p:cNvGrpSpPr/>
+        <p:nvPr/>
+      </p:nvGrpSpPr>
+      <p:grpSpPr>
+        <a:xfrm>
+          <a:off x="0" y="0"/>
+          <a:ext cx="0" cy="0"/>
+          <a:chOff x="0" y="0"/>
+          <a:chExt cx="0" cy="0"/>
+        </a:xfrm>
+      </p:grpSpPr>
+      <p:sp>
+        <p:nvSpPr>
+          <p:cNvPr id="2" name="TextBox 1">
+            <a:extLst>
+              <a:ext uri="{FF2B5EF4-FFF2-40B4-BE49-F238E27FC236}">
+                <a16:creationId xmlns:a16="http://schemas.microsoft.com/office/drawing/2014/main" id="{E937C108-E0D8-404F-9FA7-A19B67E65D3B}"/>
+              </a:ext>
+            </a:extLst>
+          </p:cNvPr>
+          <p:cNvSpPr txBox="1"/>
+          <p:nvPr/>
+        </p:nvSpPr>
+        <p:spPr>
+          <a:xfrm>
+            <a:off x="3590223" y="125128"/>
+            <a:ext cx="4398745" cy="369332"/>
+          </a:xfrm>
+          <a:prstGeom prst="rect">
+            <a:avLst/>
+          </a:prstGeom>
+        </p:spPr>
+        <p:style>
+          <a:lnRef idx="2">
+            <a:schemeClr val="accent1">
+              <a:shade val="50000"/>
+            </a:schemeClr>
+          </a:lnRef>
+          <a:fillRef idx="1">
+            <a:schemeClr val="accent1"/>
+          </a:fillRef>
+          <a:effectRef idx="0">
+            <a:schemeClr val="accent1"/>
+          </a:effectRef>
+          <a:fontRef idx="minor">
+            <a:schemeClr val="lt1"/>
+          </a:fontRef>
+        </p:style>
+        <p:txBody>
+          <a:bodyPr wrap="square" rtlCol="0">
+            <a:spAutoFit/>
+          </a:bodyPr>
+          <a:lstStyle/>
+          <a:p>
+            <a:pPr algn="ctr"/>
+            <a:r>
+              <a:rPr lang="en-US" dirty="0"/>
+              <a:t>Command Model</a:t>
+            </a:r>
+            <a:endParaRPr lang="en-IN" dirty="0"/>
+          </a:p>
+        </p:txBody>
+      </p:sp>
+      <p:sp>
+        <p:nvSpPr>
+          <p:cNvPr id="5" name="TextBox 4">
+            <a:extLst>
+              <a:ext uri="{FF2B5EF4-FFF2-40B4-BE49-F238E27FC236}">
+                <a16:creationId xmlns:a16="http://schemas.microsoft.com/office/drawing/2014/main" id="{1DCCDDD0-581D-49A1-A90E-3F20DB75F1D2}"/>
+              </a:ext>
+            </a:extLst>
+          </p:cNvPr>
+          <p:cNvSpPr txBox="1"/>
+          <p:nvPr/>
+        </p:nvSpPr>
+        <p:spPr>
+          <a:xfrm>
+            <a:off x="464419" y="740948"/>
+            <a:ext cx="4398745" cy="2031325"/>
+          </a:xfrm>
+          <a:prstGeom prst="rect">
+            <a:avLst/>
+          </a:prstGeom>
+          <a:noFill/>
+        </p:spPr>
+        <p:txBody>
+          <a:bodyPr wrap="square">
+            <a:spAutoFit/>
+          </a:bodyPr>
+          <a:lstStyle/>
+          <a:p>
+            <a:pPr algn="l"/>
+            <a:r>
+              <a:rPr lang="en-IN" sz="1800" dirty="0">
+                <a:solidFill>
+                  <a:srgbClr val="646464"/>
+                </a:solidFill>
+                <a:latin typeface="Consolas" panose="020B0609020204030204" pitchFamily="49" charset="0"/>
+              </a:rPr>
+              <a:t>@Data</a:t>
+            </a:r>
+          </a:p>
+          <a:p>
+            <a:pPr algn="l"/>
+            <a:r>
+              <a:rPr lang="en-IN" sz="1800" dirty="0">
+                <a:solidFill>
+                  <a:srgbClr val="646464"/>
+                </a:solidFill>
+                <a:latin typeface="Consolas" panose="020B0609020204030204" pitchFamily="49" charset="0"/>
+              </a:rPr>
+              <a:t>@Builder</a:t>
+            </a:r>
+          </a:p>
+          <a:p>
+            <a:pPr algn="l"/>
+            <a:r>
+              <a:rPr lang="en-IN" sz="1800" b="1" dirty="0">
+                <a:solidFill>
+                  <a:srgbClr val="7F0055"/>
+                </a:solidFill>
+                <a:latin typeface="Consolas" panose="020B0609020204030204" pitchFamily="49" charset="0"/>
+              </a:rPr>
+              <a:t>public</a:t>
+            </a:r>
+            <a:r>
+              <a:rPr lang="en-IN" sz="1800" b="1" dirty="0">
+                <a:solidFill>
+                  <a:srgbClr val="000000"/>
+                </a:solidFill>
+                <a:latin typeface="Consolas" panose="020B0609020204030204" pitchFamily="49" charset="0"/>
+              </a:rPr>
+              <a:t> </a:t>
+            </a:r>
+            <a:r>
+              <a:rPr lang="en-IN" sz="1800" b="1" dirty="0">
+                <a:solidFill>
+                  <a:srgbClr val="7F0055"/>
+                </a:solidFill>
+                <a:latin typeface="Consolas" panose="020B0609020204030204" pitchFamily="49" charset="0"/>
+              </a:rPr>
+              <a:t>class</a:t>
+            </a:r>
+            <a:r>
+              <a:rPr lang="en-IN" sz="1800" b="1" dirty="0">
+                <a:solidFill>
+                  <a:srgbClr val="000000"/>
+                </a:solidFill>
+                <a:latin typeface="Consolas" panose="020B0609020204030204" pitchFamily="49" charset="0"/>
+              </a:rPr>
+              <a:t> </a:t>
+            </a:r>
+            <a:r>
+              <a:rPr lang="en-IN" sz="1800" b="1" dirty="0" err="1">
+                <a:solidFill>
+                  <a:srgbClr val="000000"/>
+                </a:solidFill>
+                <a:latin typeface="Consolas" panose="020B0609020204030204" pitchFamily="49" charset="0"/>
+              </a:rPr>
+              <a:t>ProductRestModel</a:t>
+            </a:r>
+            <a:r>
+              <a:rPr lang="en-IN" sz="1800" b="1" dirty="0">
+                <a:solidFill>
+                  <a:srgbClr val="000000"/>
+                </a:solidFill>
+                <a:latin typeface="Consolas" panose="020B0609020204030204" pitchFamily="49" charset="0"/>
+              </a:rPr>
+              <a:t> {</a:t>
+            </a:r>
+          </a:p>
+          <a:p>
+            <a:pPr algn="l"/>
+            <a:r>
+              <a:rPr lang="en-IN" sz="1800" dirty="0">
+                <a:solidFill>
+                  <a:srgbClr val="000000"/>
+                </a:solidFill>
+                <a:latin typeface="Consolas" panose="020B0609020204030204" pitchFamily="49" charset="0"/>
+              </a:rPr>
+              <a:t>    </a:t>
+            </a:r>
+            <a:r>
+              <a:rPr lang="en-IN" sz="1800" b="1" dirty="0">
+                <a:solidFill>
+                  <a:srgbClr val="7F0055"/>
+                </a:solidFill>
+                <a:latin typeface="Consolas" panose="020B0609020204030204" pitchFamily="49" charset="0"/>
+              </a:rPr>
+              <a:t>private</a:t>
+            </a:r>
+            <a:r>
+              <a:rPr lang="en-IN" sz="1800" b="1" dirty="0">
+                <a:solidFill>
+                  <a:srgbClr val="000000"/>
+                </a:solidFill>
+                <a:latin typeface="Consolas" panose="020B0609020204030204" pitchFamily="49" charset="0"/>
+              </a:rPr>
+              <a:t> String </a:t>
+            </a:r>
+            <a:r>
+              <a:rPr lang="en-IN" sz="1800" b="1" dirty="0">
+                <a:solidFill>
+                  <a:srgbClr val="0000C0"/>
+                </a:solidFill>
+                <a:latin typeface="Consolas" panose="020B0609020204030204" pitchFamily="49" charset="0"/>
+              </a:rPr>
+              <a:t>name</a:t>
+            </a:r>
+            <a:r>
+              <a:rPr lang="en-IN" sz="1800" b="1" dirty="0">
+                <a:solidFill>
+                  <a:srgbClr val="000000"/>
+                </a:solidFill>
+                <a:latin typeface="Consolas" panose="020B0609020204030204" pitchFamily="49" charset="0"/>
+              </a:rPr>
+              <a:t>;</a:t>
+            </a:r>
+          </a:p>
+          <a:p>
+            <a:pPr algn="l"/>
+            <a:r>
+              <a:rPr lang="en-IN" sz="1800" dirty="0">
+                <a:solidFill>
+                  <a:srgbClr val="000000"/>
+                </a:solidFill>
+                <a:latin typeface="Consolas" panose="020B0609020204030204" pitchFamily="49" charset="0"/>
+              </a:rPr>
+              <a:t>    </a:t>
+            </a:r>
+            <a:r>
+              <a:rPr lang="en-IN" sz="1800" b="1" dirty="0">
+                <a:solidFill>
+                  <a:srgbClr val="7F0055"/>
+                </a:solidFill>
+                <a:latin typeface="Consolas" panose="020B0609020204030204" pitchFamily="49" charset="0"/>
+              </a:rPr>
+              <a:t>private</a:t>
+            </a:r>
+            <a:r>
+              <a:rPr lang="en-IN" sz="1800" b="1" dirty="0">
+                <a:solidFill>
+                  <a:srgbClr val="000000"/>
+                </a:solidFill>
+                <a:latin typeface="Consolas" panose="020B0609020204030204" pitchFamily="49" charset="0"/>
+              </a:rPr>
+              <a:t> </a:t>
+            </a:r>
+            <a:r>
+              <a:rPr lang="en-IN" sz="1800" b="1" dirty="0" err="1">
+                <a:solidFill>
+                  <a:srgbClr val="000000"/>
+                </a:solidFill>
+                <a:latin typeface="Consolas" panose="020B0609020204030204" pitchFamily="49" charset="0"/>
+              </a:rPr>
+              <a:t>BigDecimal</a:t>
+            </a:r>
+            <a:r>
+              <a:rPr lang="en-IN" sz="1800" b="1" dirty="0">
+                <a:solidFill>
+                  <a:srgbClr val="000000"/>
+                </a:solidFill>
+                <a:latin typeface="Consolas" panose="020B0609020204030204" pitchFamily="49" charset="0"/>
+              </a:rPr>
+              <a:t> </a:t>
+            </a:r>
+            <a:r>
+              <a:rPr lang="en-IN" sz="1800" b="1" dirty="0">
+                <a:solidFill>
+                  <a:srgbClr val="0000C0"/>
+                </a:solidFill>
+                <a:latin typeface="Consolas" panose="020B0609020204030204" pitchFamily="49" charset="0"/>
+              </a:rPr>
+              <a:t>price</a:t>
+            </a:r>
+            <a:r>
+              <a:rPr lang="en-IN" sz="1800" b="1" dirty="0">
+                <a:solidFill>
+                  <a:srgbClr val="000000"/>
+                </a:solidFill>
+                <a:latin typeface="Consolas" panose="020B0609020204030204" pitchFamily="49" charset="0"/>
+              </a:rPr>
+              <a:t>;</a:t>
+            </a:r>
+          </a:p>
+          <a:p>
+            <a:pPr algn="l"/>
+            <a:r>
+              <a:rPr lang="en-IN" sz="1800" dirty="0">
+                <a:solidFill>
+                  <a:srgbClr val="000000"/>
+                </a:solidFill>
+                <a:latin typeface="Consolas" panose="020B0609020204030204" pitchFamily="49" charset="0"/>
+              </a:rPr>
+              <a:t>    </a:t>
+            </a:r>
+            <a:r>
+              <a:rPr lang="en-IN" sz="1800" b="1" dirty="0">
+                <a:solidFill>
+                  <a:srgbClr val="7F0055"/>
+                </a:solidFill>
+                <a:latin typeface="Consolas" panose="020B0609020204030204" pitchFamily="49" charset="0"/>
+              </a:rPr>
+              <a:t>private</a:t>
+            </a:r>
+            <a:r>
+              <a:rPr lang="en-IN" sz="1800" b="1" dirty="0">
+                <a:solidFill>
+                  <a:srgbClr val="000000"/>
+                </a:solidFill>
+                <a:latin typeface="Consolas" panose="020B0609020204030204" pitchFamily="49" charset="0"/>
+              </a:rPr>
+              <a:t> Integer </a:t>
+            </a:r>
+            <a:r>
+              <a:rPr lang="en-IN" sz="1800" b="1" dirty="0">
+                <a:solidFill>
+                  <a:srgbClr val="0000C0"/>
+                </a:solidFill>
+                <a:latin typeface="Consolas" panose="020B0609020204030204" pitchFamily="49" charset="0"/>
+              </a:rPr>
+              <a:t>quantity</a:t>
+            </a:r>
+            <a:r>
+              <a:rPr lang="en-IN" sz="1800" b="1" dirty="0">
+                <a:solidFill>
+                  <a:srgbClr val="000000"/>
+                </a:solidFill>
+                <a:latin typeface="Consolas" panose="020B0609020204030204" pitchFamily="49" charset="0"/>
+              </a:rPr>
+              <a:t>;</a:t>
+            </a:r>
+          </a:p>
+          <a:p>
+            <a:pPr algn="l"/>
+            <a:r>
+              <a:rPr lang="en-IN" sz="1800" dirty="0">
+                <a:solidFill>
+                  <a:srgbClr val="000000"/>
+                </a:solidFill>
+                <a:latin typeface="Consolas" panose="020B0609020204030204" pitchFamily="49" charset="0"/>
+              </a:rPr>
+              <a:t>}</a:t>
+            </a:r>
+            <a:endParaRPr lang="en-IN" dirty="0"/>
+          </a:p>
+        </p:txBody>
+      </p:sp>
+      <p:sp>
+        <p:nvSpPr>
+          <p:cNvPr id="7" name="TextBox 6">
+            <a:extLst>
+              <a:ext uri="{FF2B5EF4-FFF2-40B4-BE49-F238E27FC236}">
+                <a16:creationId xmlns:a16="http://schemas.microsoft.com/office/drawing/2014/main" id="{A3A5DD1E-D623-4729-9722-352B4F1670F1}"/>
+              </a:ext>
+            </a:extLst>
+          </p:cNvPr>
+          <p:cNvSpPr txBox="1"/>
+          <p:nvPr/>
+        </p:nvSpPr>
+        <p:spPr>
+          <a:xfrm>
+            <a:off x="5706979" y="644696"/>
+            <a:ext cx="6097604" cy="2585323"/>
+          </a:xfrm>
+          <a:prstGeom prst="rect">
+            <a:avLst/>
+          </a:prstGeom>
+          <a:noFill/>
+        </p:spPr>
+        <p:txBody>
+          <a:bodyPr wrap="square">
+            <a:spAutoFit/>
+          </a:bodyPr>
+          <a:lstStyle/>
+          <a:p>
+            <a:pPr algn="l"/>
+            <a:r>
+              <a:rPr lang="en-IN" sz="1800" dirty="0">
+                <a:solidFill>
+                  <a:srgbClr val="646464"/>
+                </a:solidFill>
+                <a:latin typeface="Consolas" panose="020B0609020204030204" pitchFamily="49" charset="0"/>
+              </a:rPr>
+              <a:t>@Data</a:t>
+            </a:r>
+          </a:p>
+          <a:p>
+            <a:pPr algn="l"/>
+            <a:r>
+              <a:rPr lang="en-IN" sz="1800" dirty="0">
+                <a:solidFill>
+                  <a:srgbClr val="646464"/>
+                </a:solidFill>
+                <a:latin typeface="Consolas" panose="020B0609020204030204" pitchFamily="49" charset="0"/>
+              </a:rPr>
+              <a:t>@Builder</a:t>
+            </a:r>
+          </a:p>
+          <a:p>
+            <a:pPr algn="l"/>
+            <a:r>
+              <a:rPr lang="en-IN" sz="1800" b="1" dirty="0">
+                <a:solidFill>
+                  <a:srgbClr val="7F0055"/>
+                </a:solidFill>
+                <a:latin typeface="Consolas" panose="020B0609020204030204" pitchFamily="49" charset="0"/>
+              </a:rPr>
+              <a:t>public</a:t>
+            </a:r>
+            <a:r>
+              <a:rPr lang="en-IN" sz="1800" b="1" dirty="0">
+                <a:solidFill>
+                  <a:srgbClr val="000000"/>
+                </a:solidFill>
+                <a:latin typeface="Consolas" panose="020B0609020204030204" pitchFamily="49" charset="0"/>
+              </a:rPr>
+              <a:t> </a:t>
+            </a:r>
+            <a:r>
+              <a:rPr lang="en-IN" sz="1800" b="1" dirty="0">
+                <a:solidFill>
+                  <a:srgbClr val="7F0055"/>
+                </a:solidFill>
+                <a:latin typeface="Consolas" panose="020B0609020204030204" pitchFamily="49" charset="0"/>
+              </a:rPr>
+              <a:t>class</a:t>
+            </a:r>
+            <a:r>
+              <a:rPr lang="en-IN" sz="1800" b="1" dirty="0">
+                <a:solidFill>
+                  <a:srgbClr val="000000"/>
+                </a:solidFill>
+                <a:latin typeface="Consolas" panose="020B0609020204030204" pitchFamily="49" charset="0"/>
+              </a:rPr>
+              <a:t> </a:t>
+            </a:r>
+            <a:r>
+              <a:rPr lang="en-IN" sz="1800" b="1" dirty="0" err="1">
+                <a:solidFill>
+                  <a:srgbClr val="000000"/>
+                </a:solidFill>
+                <a:latin typeface="Consolas" panose="020B0609020204030204" pitchFamily="49" charset="0"/>
+              </a:rPr>
+              <a:t>CreateProductCommand</a:t>
+            </a:r>
+            <a:r>
+              <a:rPr lang="en-IN" sz="1800" b="1" dirty="0">
+                <a:solidFill>
+                  <a:srgbClr val="000000"/>
+                </a:solidFill>
+                <a:latin typeface="Consolas" panose="020B0609020204030204" pitchFamily="49" charset="0"/>
+              </a:rPr>
+              <a:t> {</a:t>
+            </a:r>
+          </a:p>
+          <a:p>
+            <a:pPr algn="l"/>
+            <a:endParaRPr lang="en-IN" sz="1800" dirty="0">
+              <a:latin typeface="Consolas" panose="020B0609020204030204" pitchFamily="49" charset="0"/>
+            </a:endParaRPr>
+          </a:p>
+          <a:p>
+            <a:pPr algn="l"/>
+            <a:r>
+              <a:rPr lang="en-IN" sz="1800" dirty="0">
+                <a:solidFill>
+                  <a:srgbClr val="000000"/>
+                </a:solidFill>
+                <a:latin typeface="Consolas" panose="020B0609020204030204" pitchFamily="49" charset="0"/>
+              </a:rPr>
+              <a:t>    </a:t>
+            </a:r>
+            <a:r>
+              <a:rPr lang="en-IN" sz="1800" dirty="0">
+                <a:solidFill>
+                  <a:srgbClr val="646464"/>
+                </a:solidFill>
+                <a:latin typeface="Consolas" panose="020B0609020204030204" pitchFamily="49" charset="0"/>
+              </a:rPr>
+              <a:t>@TargetAggregateIdentifier</a:t>
+            </a:r>
+          </a:p>
+          <a:p>
+            <a:pPr algn="l"/>
+            <a:r>
+              <a:rPr lang="en-IN" sz="1800" dirty="0">
+                <a:solidFill>
+                  <a:srgbClr val="000000"/>
+                </a:solidFill>
+                <a:latin typeface="Consolas" panose="020B0609020204030204" pitchFamily="49" charset="0"/>
+              </a:rPr>
+              <a:t>    </a:t>
+            </a:r>
+            <a:r>
+              <a:rPr lang="en-IN" sz="1800" b="1" dirty="0">
+                <a:solidFill>
+                  <a:srgbClr val="7F0055"/>
+                </a:solidFill>
+                <a:latin typeface="Consolas" panose="020B0609020204030204" pitchFamily="49" charset="0"/>
+              </a:rPr>
+              <a:t>private</a:t>
+            </a:r>
+            <a:r>
+              <a:rPr lang="en-IN" sz="1800" b="1" dirty="0">
+                <a:solidFill>
+                  <a:srgbClr val="000000"/>
+                </a:solidFill>
+                <a:latin typeface="Consolas" panose="020B0609020204030204" pitchFamily="49" charset="0"/>
+              </a:rPr>
+              <a:t> String </a:t>
+            </a:r>
+            <a:r>
+              <a:rPr lang="en-IN" sz="1800" b="1" dirty="0" err="1">
+                <a:solidFill>
+                  <a:srgbClr val="0000C0"/>
+                </a:solidFill>
+                <a:latin typeface="Consolas" panose="020B0609020204030204" pitchFamily="49" charset="0"/>
+              </a:rPr>
+              <a:t>productId</a:t>
+            </a:r>
+            <a:r>
+              <a:rPr lang="en-IN" sz="1800" b="1" dirty="0">
+                <a:solidFill>
+                  <a:srgbClr val="000000"/>
+                </a:solidFill>
+                <a:latin typeface="Consolas" panose="020B0609020204030204" pitchFamily="49" charset="0"/>
+              </a:rPr>
+              <a:t>;</a:t>
+            </a:r>
+          </a:p>
+          <a:p>
+            <a:pPr algn="l"/>
+            <a:r>
+              <a:rPr lang="en-IN" sz="1800" dirty="0">
+                <a:solidFill>
+                  <a:srgbClr val="000000"/>
+                </a:solidFill>
+                <a:latin typeface="Consolas" panose="020B0609020204030204" pitchFamily="49" charset="0"/>
+              </a:rPr>
+              <a:t>    </a:t>
+            </a:r>
+            <a:r>
+              <a:rPr lang="en-IN" sz="1800" b="1" dirty="0">
+                <a:solidFill>
+                  <a:srgbClr val="7F0055"/>
+                </a:solidFill>
+                <a:latin typeface="Consolas" panose="020B0609020204030204" pitchFamily="49" charset="0"/>
+              </a:rPr>
+              <a:t>private</a:t>
+            </a:r>
+            <a:r>
+              <a:rPr lang="en-IN" sz="1800" b="1" dirty="0">
+                <a:solidFill>
+                  <a:srgbClr val="000000"/>
+                </a:solidFill>
+                <a:latin typeface="Consolas" panose="020B0609020204030204" pitchFamily="49" charset="0"/>
+              </a:rPr>
+              <a:t> String </a:t>
+            </a:r>
+            <a:r>
+              <a:rPr lang="en-IN" sz="1800" b="1" dirty="0">
+                <a:solidFill>
+                  <a:srgbClr val="0000C0"/>
+                </a:solidFill>
+                <a:latin typeface="Consolas" panose="020B0609020204030204" pitchFamily="49" charset="0"/>
+              </a:rPr>
+              <a:t>name</a:t>
+            </a:r>
+            <a:r>
+              <a:rPr lang="en-IN" sz="1800" b="1" dirty="0">
+                <a:solidFill>
+                  <a:srgbClr val="000000"/>
+                </a:solidFill>
+                <a:latin typeface="Consolas" panose="020B0609020204030204" pitchFamily="49" charset="0"/>
+              </a:rPr>
+              <a:t>;</a:t>
+            </a:r>
+          </a:p>
+          <a:p>
+            <a:pPr algn="l"/>
+            <a:r>
+              <a:rPr lang="en-IN" sz="1800" dirty="0">
+                <a:solidFill>
+                  <a:srgbClr val="000000"/>
+                </a:solidFill>
+                <a:latin typeface="Consolas" panose="020B0609020204030204" pitchFamily="49" charset="0"/>
+              </a:rPr>
+              <a:t>    </a:t>
+            </a:r>
+            <a:r>
+              <a:rPr lang="en-IN" sz="1800" b="1" dirty="0">
+                <a:solidFill>
+                  <a:srgbClr val="7F0055"/>
+                </a:solidFill>
+                <a:latin typeface="Consolas" panose="020B0609020204030204" pitchFamily="49" charset="0"/>
+              </a:rPr>
+              <a:t>private</a:t>
+            </a:r>
+            <a:r>
+              <a:rPr lang="en-IN" sz="1800" b="1" dirty="0">
+                <a:solidFill>
+                  <a:srgbClr val="000000"/>
+                </a:solidFill>
+                <a:latin typeface="Consolas" panose="020B0609020204030204" pitchFamily="49" charset="0"/>
+              </a:rPr>
+              <a:t> </a:t>
+            </a:r>
+            <a:r>
+              <a:rPr lang="en-IN" sz="1800" b="1" dirty="0" err="1">
+                <a:solidFill>
+                  <a:srgbClr val="000000"/>
+                </a:solidFill>
+                <a:latin typeface="Consolas" panose="020B0609020204030204" pitchFamily="49" charset="0"/>
+              </a:rPr>
+              <a:t>BigDecimal</a:t>
+            </a:r>
+            <a:r>
+              <a:rPr lang="en-IN" sz="1800" b="1" dirty="0">
+                <a:solidFill>
+                  <a:srgbClr val="000000"/>
+                </a:solidFill>
+                <a:latin typeface="Consolas" panose="020B0609020204030204" pitchFamily="49" charset="0"/>
+              </a:rPr>
+              <a:t> </a:t>
+            </a:r>
+            <a:r>
+              <a:rPr lang="en-IN" sz="1800" b="1" dirty="0">
+                <a:solidFill>
+                  <a:srgbClr val="0000C0"/>
+                </a:solidFill>
+                <a:latin typeface="Consolas" panose="020B0609020204030204" pitchFamily="49" charset="0"/>
+              </a:rPr>
+              <a:t>price</a:t>
+            </a:r>
+            <a:r>
+              <a:rPr lang="en-IN" sz="1800" b="1" dirty="0">
+                <a:solidFill>
+                  <a:srgbClr val="000000"/>
+                </a:solidFill>
+                <a:latin typeface="Consolas" panose="020B0609020204030204" pitchFamily="49" charset="0"/>
+              </a:rPr>
+              <a:t>;</a:t>
+            </a:r>
+          </a:p>
+          <a:p>
+            <a:pPr algn="l"/>
+            <a:r>
+              <a:rPr lang="en-IN" sz="1800" dirty="0">
+                <a:solidFill>
+                  <a:srgbClr val="000000"/>
+                </a:solidFill>
+                <a:latin typeface="Consolas" panose="020B0609020204030204" pitchFamily="49" charset="0"/>
+              </a:rPr>
+              <a:t>    </a:t>
+            </a:r>
+            <a:r>
+              <a:rPr lang="en-IN" sz="1800" b="1" dirty="0">
+                <a:solidFill>
+                  <a:srgbClr val="7F0055"/>
+                </a:solidFill>
+                <a:latin typeface="Consolas" panose="020B0609020204030204" pitchFamily="49" charset="0"/>
+              </a:rPr>
+              <a:t>private</a:t>
+            </a:r>
+            <a:r>
+              <a:rPr lang="en-IN" sz="1800" b="1" dirty="0">
+                <a:solidFill>
+                  <a:srgbClr val="000000"/>
+                </a:solidFill>
+                <a:latin typeface="Consolas" panose="020B0609020204030204" pitchFamily="49" charset="0"/>
+              </a:rPr>
+              <a:t> Integer </a:t>
+            </a:r>
+            <a:r>
+              <a:rPr lang="en-IN" sz="1800" b="1" dirty="0">
+                <a:solidFill>
+                  <a:srgbClr val="0000C0"/>
+                </a:solidFill>
+                <a:latin typeface="Consolas" panose="020B0609020204030204" pitchFamily="49" charset="0"/>
+              </a:rPr>
+              <a:t>quantity</a:t>
+            </a:r>
+            <a:r>
+              <a:rPr lang="en-IN" sz="1800" b="1" dirty="0">
+                <a:solidFill>
+                  <a:srgbClr val="000000"/>
+                </a:solidFill>
+                <a:latin typeface="Consolas" panose="020B0609020204030204" pitchFamily="49" charset="0"/>
+              </a:rPr>
+              <a:t>;</a:t>
+            </a:r>
+            <a:r>
+              <a:rPr lang="en-IN" sz="1800" dirty="0">
+                <a:solidFill>
+                  <a:srgbClr val="000000"/>
+                </a:solidFill>
+                <a:latin typeface="Consolas" panose="020B0609020204030204" pitchFamily="49" charset="0"/>
+              </a:rPr>
+              <a:t>}</a:t>
+            </a:r>
+            <a:endParaRPr lang="en-IN" dirty="0"/>
+          </a:p>
+        </p:txBody>
+      </p:sp>
+    </p:spTree>
+    <p:extLst>
+      <p:ext uri="{BB962C8B-B14F-4D97-AF65-F5344CB8AC3E}">
+        <p14:creationId xmlns:p14="http://schemas.microsoft.com/office/powerpoint/2010/main" val="3522346430"/>
+      </p:ext>
+    </p:extLst>
+  </p:cSld>
+  <p:clrMapOvr>
+    <a:masterClrMapping/>
+  </p:clrMapOvr>
+</p:sld>
+</file>
+
+<file path=ppt/slides/slide13.xml><?xml version="1.0" encoding="utf-8"?>
+<p:sld xmlns:a="http://schemas.openxmlformats.org/drawingml/2006/main" xmlns:r="http://schemas.openxmlformats.org/officeDocument/2006/relationships" xmlns:p="http://schemas.openxmlformats.org/presentationml/2006/main">
+  <p:cSld>
+    <p:spTree>
+      <p:nvGrpSpPr>
+        <p:cNvPr id="1" name=""/>
+        <p:cNvGrpSpPr/>
+        <p:nvPr/>
+      </p:nvGrpSpPr>
+      <p:grpSpPr>
+        <a:xfrm>
+          <a:off x="0" y="0"/>
+          <a:ext cx="0" cy="0"/>
+          <a:chOff x="0" y="0"/>
+          <a:chExt cx="0" cy="0"/>
+        </a:xfrm>
+      </p:grpSpPr>
+      <p:sp>
+        <p:nvSpPr>
+          <p:cNvPr id="2" name="TextBox 1">
+            <a:extLst>
+              <a:ext uri="{FF2B5EF4-FFF2-40B4-BE49-F238E27FC236}">
+                <a16:creationId xmlns:a16="http://schemas.microsoft.com/office/drawing/2014/main" id="{365AC9B1-C7DF-4BB1-911F-3A98C54E7A41}"/>
+              </a:ext>
+            </a:extLst>
+          </p:cNvPr>
+          <p:cNvSpPr txBox="1"/>
+          <p:nvPr/>
+        </p:nvSpPr>
+        <p:spPr>
+          <a:xfrm>
+            <a:off x="356135" y="1214570"/>
+            <a:ext cx="11835865" cy="4247317"/>
+          </a:xfrm>
+          <a:prstGeom prst="rect">
+            <a:avLst/>
+          </a:prstGeom>
+          <a:noFill/>
+        </p:spPr>
+        <p:txBody>
+          <a:bodyPr wrap="square">
+            <a:spAutoFit/>
+          </a:bodyPr>
+          <a:lstStyle/>
+          <a:p>
+            <a:pPr algn="l"/>
+            <a:r>
+              <a:rPr lang="en-IN" sz="1800" dirty="0">
+                <a:solidFill>
+                  <a:srgbClr val="646464"/>
+                </a:solidFill>
+                <a:latin typeface="Consolas" panose="020B0609020204030204" pitchFamily="49" charset="0"/>
+              </a:rPr>
+              <a:t>@PostMapping</a:t>
+            </a:r>
+          </a:p>
+          <a:p>
+            <a:pPr algn="l"/>
+            <a:r>
+              <a:rPr lang="en-US" sz="1800" dirty="0">
+                <a:solidFill>
+                  <a:srgbClr val="000000"/>
+                </a:solidFill>
+                <a:latin typeface="Consolas" panose="020B0609020204030204" pitchFamily="49" charset="0"/>
+              </a:rPr>
+              <a:t>    </a:t>
+            </a:r>
+            <a:r>
+              <a:rPr lang="en-US" sz="1800" b="1" dirty="0">
+                <a:solidFill>
+                  <a:srgbClr val="7F0055"/>
+                </a:solidFill>
+                <a:latin typeface="Consolas" panose="020B0609020204030204" pitchFamily="49" charset="0"/>
+              </a:rPr>
+              <a:t>public</a:t>
+            </a:r>
+            <a:r>
+              <a:rPr lang="en-US" sz="1800" b="1" dirty="0">
+                <a:solidFill>
+                  <a:srgbClr val="000000"/>
+                </a:solidFill>
+                <a:latin typeface="Consolas" panose="020B0609020204030204" pitchFamily="49" charset="0"/>
+              </a:rPr>
+              <a:t> String </a:t>
+            </a:r>
+            <a:r>
+              <a:rPr lang="en-US" sz="1800" b="1" dirty="0" err="1">
+                <a:solidFill>
+                  <a:srgbClr val="000000"/>
+                </a:solidFill>
+                <a:latin typeface="Consolas" panose="020B0609020204030204" pitchFamily="49" charset="0"/>
+              </a:rPr>
+              <a:t>addProduct</a:t>
+            </a:r>
+            <a:r>
+              <a:rPr lang="en-US" sz="1800" b="1" dirty="0">
+                <a:solidFill>
+                  <a:srgbClr val="000000"/>
+                </a:solidFill>
+                <a:latin typeface="Consolas" panose="020B0609020204030204" pitchFamily="49" charset="0"/>
+              </a:rPr>
+              <a:t>(</a:t>
+            </a:r>
+            <a:r>
+              <a:rPr lang="en-US" sz="1800" b="1" dirty="0">
+                <a:solidFill>
+                  <a:srgbClr val="646464"/>
+                </a:solidFill>
+                <a:latin typeface="Consolas" panose="020B0609020204030204" pitchFamily="49" charset="0"/>
+              </a:rPr>
+              <a:t>@RequestBody</a:t>
+            </a:r>
+            <a:r>
+              <a:rPr lang="en-US" sz="1800" b="1" dirty="0">
+                <a:solidFill>
+                  <a:srgbClr val="000000"/>
+                </a:solidFill>
+                <a:latin typeface="Consolas" panose="020B0609020204030204" pitchFamily="49" charset="0"/>
+              </a:rPr>
+              <a:t> </a:t>
+            </a:r>
+            <a:r>
+              <a:rPr lang="en-US" sz="1800" b="1" dirty="0" err="1">
+                <a:solidFill>
+                  <a:srgbClr val="000000"/>
+                </a:solidFill>
+                <a:latin typeface="Consolas" panose="020B0609020204030204" pitchFamily="49" charset="0"/>
+              </a:rPr>
+              <a:t>ProductRestModel</a:t>
+            </a:r>
+            <a:r>
+              <a:rPr lang="en-US" sz="1800" b="1" dirty="0">
+                <a:solidFill>
+                  <a:srgbClr val="000000"/>
+                </a:solidFill>
+                <a:latin typeface="Consolas" panose="020B0609020204030204" pitchFamily="49" charset="0"/>
+              </a:rPr>
+              <a:t> </a:t>
+            </a:r>
+            <a:r>
+              <a:rPr lang="en-US" sz="1800" b="1" dirty="0" err="1">
+                <a:solidFill>
+                  <a:srgbClr val="6A3E3E"/>
+                </a:solidFill>
+                <a:latin typeface="Consolas" panose="020B0609020204030204" pitchFamily="49" charset="0"/>
+              </a:rPr>
+              <a:t>productRestModel</a:t>
+            </a:r>
+            <a:r>
+              <a:rPr lang="en-US" sz="1800" b="1" dirty="0">
+                <a:solidFill>
+                  <a:srgbClr val="000000"/>
+                </a:solidFill>
+                <a:latin typeface="Consolas" panose="020B0609020204030204" pitchFamily="49" charset="0"/>
+              </a:rPr>
+              <a:t>) {</a:t>
+            </a:r>
+          </a:p>
+          <a:p>
+            <a:pPr algn="l"/>
+            <a:endParaRPr lang="en-IN" sz="1800" dirty="0">
+              <a:latin typeface="Consolas" panose="020B0609020204030204" pitchFamily="49" charset="0"/>
+            </a:endParaRPr>
+          </a:p>
+          <a:p>
+            <a:pPr algn="l"/>
+            <a:r>
+              <a:rPr lang="en-IN" sz="1800" dirty="0">
+                <a:solidFill>
+                  <a:srgbClr val="000000"/>
+                </a:solidFill>
+                <a:latin typeface="Consolas" panose="020B0609020204030204" pitchFamily="49" charset="0"/>
+              </a:rPr>
+              <a:t>        </a:t>
+            </a:r>
+          </a:p>
+          <a:p>
+            <a:pPr algn="l"/>
+            <a:r>
+              <a:rPr lang="en-IN" sz="1800" dirty="0">
+                <a:solidFill>
+                  <a:srgbClr val="000000"/>
+                </a:solidFill>
+                <a:latin typeface="Consolas" panose="020B0609020204030204" pitchFamily="49" charset="0"/>
+              </a:rPr>
+              <a:t>        </a:t>
+            </a:r>
+            <a:r>
+              <a:rPr lang="en-IN" sz="1800" dirty="0" err="1">
+                <a:solidFill>
+                  <a:srgbClr val="000000"/>
+                </a:solidFill>
+                <a:latin typeface="Consolas" panose="020B0609020204030204" pitchFamily="49" charset="0"/>
+              </a:rPr>
+              <a:t>CreateProductCommand</a:t>
+            </a:r>
+            <a:r>
+              <a:rPr lang="en-IN" sz="1800" dirty="0">
+                <a:solidFill>
+                  <a:srgbClr val="000000"/>
+                </a:solidFill>
+                <a:latin typeface="Consolas" panose="020B0609020204030204" pitchFamily="49" charset="0"/>
+              </a:rPr>
+              <a:t> </a:t>
+            </a:r>
+            <a:r>
+              <a:rPr lang="en-IN" sz="1800" dirty="0" err="1">
+                <a:solidFill>
+                  <a:srgbClr val="6A3E3E"/>
+                </a:solidFill>
+                <a:latin typeface="Consolas" panose="020B0609020204030204" pitchFamily="49" charset="0"/>
+              </a:rPr>
+              <a:t>createProductCommand</a:t>
+            </a:r>
+            <a:r>
+              <a:rPr lang="en-IN" sz="1800" dirty="0">
+                <a:solidFill>
+                  <a:srgbClr val="000000"/>
+                </a:solidFill>
+                <a:latin typeface="Consolas" panose="020B0609020204030204" pitchFamily="49" charset="0"/>
+              </a:rPr>
+              <a:t> =</a:t>
+            </a:r>
+          </a:p>
+          <a:p>
+            <a:pPr algn="l"/>
+            <a:r>
+              <a:rPr lang="en-IN" sz="1800" dirty="0">
+                <a:solidFill>
+                  <a:srgbClr val="000000"/>
+                </a:solidFill>
+                <a:latin typeface="Consolas" panose="020B0609020204030204" pitchFamily="49" charset="0"/>
+              </a:rPr>
+              <a:t>                </a:t>
+            </a:r>
+            <a:r>
+              <a:rPr lang="en-IN" sz="1800" dirty="0" err="1">
+                <a:solidFill>
+                  <a:srgbClr val="000000"/>
+                </a:solidFill>
+                <a:latin typeface="Consolas" panose="020B0609020204030204" pitchFamily="49" charset="0"/>
+              </a:rPr>
+              <a:t>CreateProductCommand.</a:t>
+            </a:r>
+            <a:r>
+              <a:rPr lang="en-IN" sz="1800" i="1" dirty="0" err="1">
+                <a:solidFill>
+                  <a:srgbClr val="000000"/>
+                </a:solidFill>
+                <a:latin typeface="Consolas" panose="020B0609020204030204" pitchFamily="49" charset="0"/>
+              </a:rPr>
+              <a:t>builder</a:t>
+            </a:r>
+            <a:r>
+              <a:rPr lang="en-IN" sz="1800" i="1" dirty="0">
+                <a:solidFill>
+                  <a:srgbClr val="000000"/>
+                </a:solidFill>
+                <a:latin typeface="Consolas" panose="020B0609020204030204" pitchFamily="49" charset="0"/>
+              </a:rPr>
+              <a:t>()</a:t>
+            </a:r>
+          </a:p>
+          <a:p>
+            <a:pPr algn="l"/>
+            <a:r>
+              <a:rPr lang="en-IN" sz="1800" dirty="0">
+                <a:solidFill>
+                  <a:srgbClr val="000000"/>
+                </a:solidFill>
+                <a:latin typeface="Consolas" panose="020B0609020204030204" pitchFamily="49" charset="0"/>
+              </a:rPr>
+              <a:t>                        .</a:t>
+            </a:r>
+            <a:r>
+              <a:rPr lang="en-IN" sz="1800" dirty="0" err="1">
+                <a:solidFill>
+                  <a:srgbClr val="000000"/>
+                </a:solidFill>
+                <a:latin typeface="Consolas" panose="020B0609020204030204" pitchFamily="49" charset="0"/>
+              </a:rPr>
+              <a:t>productId</a:t>
+            </a:r>
+            <a:r>
+              <a:rPr lang="en-IN" sz="1800" dirty="0">
+                <a:solidFill>
+                  <a:srgbClr val="000000"/>
+                </a:solidFill>
+                <a:latin typeface="Consolas" panose="020B0609020204030204" pitchFamily="49" charset="0"/>
+              </a:rPr>
+              <a:t>(</a:t>
+            </a:r>
+            <a:r>
+              <a:rPr lang="en-IN" sz="1800" dirty="0" err="1">
+                <a:solidFill>
+                  <a:srgbClr val="000000"/>
+                </a:solidFill>
+                <a:latin typeface="Consolas" panose="020B0609020204030204" pitchFamily="49" charset="0"/>
+              </a:rPr>
+              <a:t>UUID.</a:t>
+            </a:r>
+            <a:r>
+              <a:rPr lang="en-IN" sz="1800" i="1" dirty="0" err="1">
+                <a:solidFill>
+                  <a:srgbClr val="000000"/>
+                </a:solidFill>
+                <a:latin typeface="Consolas" panose="020B0609020204030204" pitchFamily="49" charset="0"/>
+              </a:rPr>
+              <a:t>randomUUID</a:t>
+            </a:r>
+            <a:r>
+              <a:rPr lang="en-IN" sz="1800" i="1" dirty="0">
+                <a:solidFill>
+                  <a:srgbClr val="000000"/>
+                </a:solidFill>
+                <a:latin typeface="Consolas" panose="020B0609020204030204" pitchFamily="49" charset="0"/>
+              </a:rPr>
+              <a:t>().</a:t>
+            </a:r>
+            <a:r>
+              <a:rPr lang="en-IN" sz="1800" i="1" dirty="0" err="1">
+                <a:solidFill>
+                  <a:srgbClr val="000000"/>
+                </a:solidFill>
+                <a:latin typeface="Consolas" panose="020B0609020204030204" pitchFamily="49" charset="0"/>
+              </a:rPr>
+              <a:t>toString</a:t>
+            </a:r>
+            <a:r>
+              <a:rPr lang="en-IN" sz="1800" i="1" dirty="0">
+                <a:solidFill>
+                  <a:srgbClr val="000000"/>
+                </a:solidFill>
+                <a:latin typeface="Consolas" panose="020B0609020204030204" pitchFamily="49" charset="0"/>
+              </a:rPr>
+              <a:t>()) </a:t>
+            </a:r>
+            <a:r>
+              <a:rPr lang="en-IN" sz="1800" i="1" dirty="0">
+                <a:solidFill>
+                  <a:srgbClr val="3F7F5F"/>
+                </a:solidFill>
+                <a:latin typeface="Consolas" panose="020B0609020204030204" pitchFamily="49" charset="0"/>
+              </a:rPr>
+              <a:t>//320ec6e2-2306-43c7-8037-909fb2116528</a:t>
+            </a:r>
+          </a:p>
+          <a:p>
+            <a:pPr algn="l"/>
+            <a:r>
+              <a:rPr lang="en-IN" sz="1800" dirty="0">
+                <a:solidFill>
+                  <a:srgbClr val="000000"/>
+                </a:solidFill>
+                <a:latin typeface="Consolas" panose="020B0609020204030204" pitchFamily="49" charset="0"/>
+              </a:rPr>
+              <a:t>                        .name(</a:t>
+            </a:r>
+            <a:r>
+              <a:rPr lang="en-IN" sz="1800" dirty="0" err="1">
+                <a:solidFill>
+                  <a:srgbClr val="6A3E3E"/>
+                </a:solidFill>
+                <a:latin typeface="Consolas" panose="020B0609020204030204" pitchFamily="49" charset="0"/>
+              </a:rPr>
+              <a:t>productRestModel</a:t>
+            </a:r>
+            <a:r>
+              <a:rPr lang="en-IN" sz="1800" dirty="0" err="1">
+                <a:solidFill>
+                  <a:srgbClr val="000000"/>
+                </a:solidFill>
+                <a:latin typeface="Consolas" panose="020B0609020204030204" pitchFamily="49" charset="0"/>
+              </a:rPr>
+              <a:t>.getName</a:t>
+            </a:r>
+            <a:r>
+              <a:rPr lang="en-IN" sz="1800" dirty="0">
+                <a:solidFill>
+                  <a:srgbClr val="000000"/>
+                </a:solidFill>
+                <a:latin typeface="Consolas" panose="020B0609020204030204" pitchFamily="49" charset="0"/>
+              </a:rPr>
+              <a:t>())</a:t>
+            </a:r>
+          </a:p>
+          <a:p>
+            <a:pPr algn="l"/>
+            <a:r>
+              <a:rPr lang="en-IN" sz="1800" dirty="0">
+                <a:solidFill>
+                  <a:srgbClr val="000000"/>
+                </a:solidFill>
+                <a:latin typeface="Consolas" panose="020B0609020204030204" pitchFamily="49" charset="0"/>
+              </a:rPr>
+              <a:t>                        .price(</a:t>
+            </a:r>
+            <a:r>
+              <a:rPr lang="en-IN" sz="1800" dirty="0" err="1">
+                <a:solidFill>
+                  <a:srgbClr val="6A3E3E"/>
+                </a:solidFill>
+                <a:latin typeface="Consolas" panose="020B0609020204030204" pitchFamily="49" charset="0"/>
+              </a:rPr>
+              <a:t>productRestModel</a:t>
+            </a:r>
+            <a:r>
+              <a:rPr lang="en-IN" sz="1800" dirty="0" err="1">
+                <a:solidFill>
+                  <a:srgbClr val="000000"/>
+                </a:solidFill>
+                <a:latin typeface="Consolas" panose="020B0609020204030204" pitchFamily="49" charset="0"/>
+              </a:rPr>
+              <a:t>.getPrice</a:t>
+            </a:r>
+            <a:r>
+              <a:rPr lang="en-IN" sz="1800" dirty="0">
+                <a:solidFill>
+                  <a:srgbClr val="000000"/>
+                </a:solidFill>
+                <a:latin typeface="Consolas" panose="020B0609020204030204" pitchFamily="49" charset="0"/>
+              </a:rPr>
+              <a:t>())</a:t>
+            </a:r>
+          </a:p>
+          <a:p>
+            <a:pPr algn="l"/>
+            <a:r>
+              <a:rPr lang="en-IN" sz="1800" dirty="0">
+                <a:solidFill>
+                  <a:srgbClr val="000000"/>
+                </a:solidFill>
+                <a:latin typeface="Consolas" panose="020B0609020204030204" pitchFamily="49" charset="0"/>
+              </a:rPr>
+              <a:t>                        .quantity(</a:t>
+            </a:r>
+            <a:r>
+              <a:rPr lang="en-IN" sz="1800" dirty="0" err="1">
+                <a:solidFill>
+                  <a:srgbClr val="6A3E3E"/>
+                </a:solidFill>
+                <a:latin typeface="Consolas" panose="020B0609020204030204" pitchFamily="49" charset="0"/>
+              </a:rPr>
+              <a:t>productRestModel</a:t>
+            </a:r>
+            <a:r>
+              <a:rPr lang="en-IN" sz="1800" dirty="0" err="1">
+                <a:solidFill>
+                  <a:srgbClr val="000000"/>
+                </a:solidFill>
+                <a:latin typeface="Consolas" panose="020B0609020204030204" pitchFamily="49" charset="0"/>
+              </a:rPr>
+              <a:t>.getQuantity</a:t>
+            </a:r>
+            <a:r>
+              <a:rPr lang="en-IN" sz="1800" dirty="0">
+                <a:solidFill>
+                  <a:srgbClr val="000000"/>
+                </a:solidFill>
+                <a:latin typeface="Consolas" panose="020B0609020204030204" pitchFamily="49" charset="0"/>
+              </a:rPr>
+              <a:t>())</a:t>
+            </a:r>
+          </a:p>
+          <a:p>
+            <a:pPr algn="l"/>
+            <a:r>
+              <a:rPr lang="en-IN" sz="1800" dirty="0">
+                <a:solidFill>
+                  <a:srgbClr val="000000"/>
+                </a:solidFill>
+                <a:latin typeface="Consolas" panose="020B0609020204030204" pitchFamily="49" charset="0"/>
+              </a:rPr>
+              <a:t>                        .build();</a:t>
+            </a:r>
+          </a:p>
+          <a:p>
+            <a:pPr algn="l"/>
+            <a:r>
+              <a:rPr lang="en-US" sz="1800" dirty="0">
+                <a:solidFill>
+                  <a:srgbClr val="000000"/>
+                </a:solidFill>
+                <a:latin typeface="Consolas" panose="020B0609020204030204" pitchFamily="49" charset="0"/>
+              </a:rPr>
+              <a:t>        String </a:t>
+            </a:r>
+            <a:r>
+              <a:rPr lang="en-US" sz="1800" dirty="0">
+                <a:solidFill>
+                  <a:srgbClr val="6A3E3E"/>
+                </a:solidFill>
+                <a:latin typeface="Consolas" panose="020B0609020204030204" pitchFamily="49" charset="0"/>
+              </a:rPr>
+              <a:t>result</a:t>
+            </a:r>
+            <a:r>
+              <a:rPr lang="en-US" sz="1800" dirty="0">
+                <a:solidFill>
+                  <a:srgbClr val="000000"/>
+                </a:solidFill>
+                <a:latin typeface="Consolas" panose="020B0609020204030204" pitchFamily="49" charset="0"/>
+              </a:rPr>
+              <a:t> = </a:t>
+            </a:r>
+            <a:r>
+              <a:rPr lang="en-US" sz="1800" dirty="0" err="1">
+                <a:solidFill>
+                  <a:srgbClr val="0000C0"/>
+                </a:solidFill>
+                <a:latin typeface="Consolas" panose="020B0609020204030204" pitchFamily="49" charset="0"/>
+              </a:rPr>
+              <a:t>commandGateway</a:t>
+            </a:r>
+            <a:r>
+              <a:rPr lang="en-US" sz="1800" dirty="0" err="1">
+                <a:solidFill>
+                  <a:srgbClr val="000000"/>
+                </a:solidFill>
+                <a:latin typeface="Consolas" panose="020B0609020204030204" pitchFamily="49" charset="0"/>
+              </a:rPr>
+              <a:t>.sendAndWait</a:t>
+            </a:r>
+            <a:r>
+              <a:rPr lang="en-US" sz="1800" dirty="0">
+                <a:solidFill>
+                  <a:srgbClr val="000000"/>
+                </a:solidFill>
+                <a:latin typeface="Consolas" panose="020B0609020204030204" pitchFamily="49" charset="0"/>
+              </a:rPr>
+              <a:t>(</a:t>
+            </a:r>
+            <a:r>
+              <a:rPr lang="en-US" sz="1800" dirty="0" err="1">
+                <a:solidFill>
+                  <a:srgbClr val="6A3E3E"/>
+                </a:solidFill>
+                <a:latin typeface="Consolas" panose="020B0609020204030204" pitchFamily="49" charset="0"/>
+              </a:rPr>
+              <a:t>createProductCommand</a:t>
+            </a:r>
+            <a:r>
+              <a:rPr lang="en-US" sz="1800" dirty="0">
+                <a:solidFill>
+                  <a:srgbClr val="000000"/>
+                </a:solidFill>
+                <a:latin typeface="Consolas" panose="020B0609020204030204" pitchFamily="49" charset="0"/>
+              </a:rPr>
+              <a:t>);</a:t>
+            </a:r>
+          </a:p>
+          <a:p>
+            <a:pPr algn="l"/>
+            <a:r>
+              <a:rPr lang="en-IN" sz="1800" dirty="0">
+                <a:solidFill>
+                  <a:srgbClr val="000000"/>
+                </a:solidFill>
+                <a:latin typeface="Consolas" panose="020B0609020204030204" pitchFamily="49" charset="0"/>
+              </a:rPr>
+              <a:t>        </a:t>
+            </a:r>
+            <a:r>
+              <a:rPr lang="en-IN" sz="1800" b="1" dirty="0">
+                <a:solidFill>
+                  <a:srgbClr val="7F0055"/>
+                </a:solidFill>
+                <a:latin typeface="Consolas" panose="020B0609020204030204" pitchFamily="49" charset="0"/>
+              </a:rPr>
+              <a:t>return</a:t>
+            </a:r>
+            <a:r>
+              <a:rPr lang="en-IN" sz="1800" b="1" dirty="0">
+                <a:solidFill>
+                  <a:srgbClr val="000000"/>
+                </a:solidFill>
+                <a:latin typeface="Consolas" panose="020B0609020204030204" pitchFamily="49" charset="0"/>
+              </a:rPr>
+              <a:t> </a:t>
+            </a:r>
+            <a:r>
+              <a:rPr lang="en-IN" sz="1800" b="1" dirty="0">
+                <a:solidFill>
+                  <a:srgbClr val="6A3E3E"/>
+                </a:solidFill>
+                <a:latin typeface="Consolas" panose="020B0609020204030204" pitchFamily="49" charset="0"/>
+              </a:rPr>
+              <a:t>result</a:t>
+            </a:r>
+            <a:r>
+              <a:rPr lang="en-IN" sz="1800" b="1" dirty="0">
+                <a:solidFill>
+                  <a:srgbClr val="000000"/>
+                </a:solidFill>
+                <a:latin typeface="Consolas" panose="020B0609020204030204" pitchFamily="49" charset="0"/>
+              </a:rPr>
+              <a:t>;</a:t>
+            </a:r>
+          </a:p>
+          <a:p>
+            <a:pPr algn="l"/>
+            <a:r>
+              <a:rPr lang="en-IN" sz="1800" dirty="0">
+                <a:solidFill>
+                  <a:srgbClr val="000000"/>
+                </a:solidFill>
+                <a:latin typeface="Consolas" panose="020B0609020204030204" pitchFamily="49" charset="0"/>
+              </a:rPr>
+              <a:t>    }</a:t>
+            </a:r>
+            <a:endParaRPr lang="en-IN" dirty="0"/>
+          </a:p>
+        </p:txBody>
+      </p:sp>
+    </p:spTree>
+    <p:extLst>
+      <p:ext uri="{BB962C8B-B14F-4D97-AF65-F5344CB8AC3E}">
+        <p14:creationId xmlns:p14="http://schemas.microsoft.com/office/powerpoint/2010/main" val="428437970"/>
+      </p:ext>
+    </p:extLst>
+  </p:cSld>
+  <p:clrMapOvr>
+    <a:masterClrMapping/>
+  </p:clrMapOvr>
+</p:sld>
+</file>
+
+<file path=ppt/slides/slide14.xml><?xml version="1.0" encoding="utf-8"?>
+<p:sld xmlns:a="http://schemas.openxmlformats.org/drawingml/2006/main" xmlns:r="http://schemas.openxmlformats.org/officeDocument/2006/relationships" xmlns:p="http://schemas.openxmlformats.org/presentationml/2006/main">
+  <p:cSld>
+    <p:spTree>
+      <p:nvGrpSpPr>
+        <p:cNvPr id="1" name=""/>
+        <p:cNvGrpSpPr/>
+        <p:nvPr/>
+      </p:nvGrpSpPr>
+      <p:grpSpPr>
+        <a:xfrm>
+          <a:off x="0" y="0"/>
+          <a:ext cx="0" cy="0"/>
+          <a:chOff x="0" y="0"/>
+          <a:chExt cx="0" cy="0"/>
+        </a:xfrm>
+      </p:grpSpPr>
+      <p:sp>
+        <p:nvSpPr>
+          <p:cNvPr id="3" name="TextBox 2">
+            <a:extLst>
+              <a:ext uri="{FF2B5EF4-FFF2-40B4-BE49-F238E27FC236}">
+                <a16:creationId xmlns:a16="http://schemas.microsoft.com/office/drawing/2014/main" id="{ED1804FB-3567-43EE-A04E-9B2029528404}"/>
+              </a:ext>
+            </a:extLst>
+          </p:cNvPr>
+          <p:cNvSpPr txBox="1"/>
+          <p:nvPr/>
+        </p:nvSpPr>
+        <p:spPr>
+          <a:xfrm>
+            <a:off x="523775" y="621699"/>
+            <a:ext cx="6097604" cy="6186309"/>
+          </a:xfrm>
+          <a:prstGeom prst="rect">
+            <a:avLst/>
+          </a:prstGeom>
+          <a:noFill/>
+        </p:spPr>
+        <p:txBody>
+          <a:bodyPr wrap="square">
+            <a:spAutoFit/>
+          </a:bodyPr>
+          <a:lstStyle/>
+          <a:p>
+            <a:pPr algn="l"/>
+            <a:r>
+              <a:rPr lang="en-IN" sz="1800" dirty="0">
+                <a:solidFill>
+                  <a:srgbClr val="646464"/>
+                </a:solidFill>
+              </a:rPr>
+              <a:t>@Aggregate</a:t>
+            </a:r>
+          </a:p>
+          <a:p>
+            <a:pPr algn="l"/>
+            <a:r>
+              <a:rPr lang="en-IN" sz="1800" b="1" dirty="0">
+                <a:solidFill>
+                  <a:srgbClr val="7F0055"/>
+                </a:solidFill>
+              </a:rPr>
+              <a:t>public</a:t>
+            </a:r>
+            <a:r>
+              <a:rPr lang="en-IN" sz="1800" b="1" dirty="0">
+                <a:solidFill>
+                  <a:srgbClr val="000000"/>
+                </a:solidFill>
+              </a:rPr>
+              <a:t> </a:t>
+            </a:r>
+            <a:r>
+              <a:rPr lang="en-IN" sz="1800" b="1" dirty="0">
+                <a:solidFill>
+                  <a:srgbClr val="7F0055"/>
+                </a:solidFill>
+              </a:rPr>
+              <a:t>class</a:t>
+            </a:r>
+            <a:r>
+              <a:rPr lang="en-IN" sz="1800" b="1" dirty="0">
+                <a:solidFill>
+                  <a:srgbClr val="000000"/>
+                </a:solidFill>
+              </a:rPr>
+              <a:t> </a:t>
+            </a:r>
+            <a:r>
+              <a:rPr lang="en-IN" sz="1800" b="1" dirty="0" err="1">
+                <a:solidFill>
+                  <a:srgbClr val="000000"/>
+                </a:solidFill>
+              </a:rPr>
+              <a:t>ProductAggregate</a:t>
+            </a:r>
+            <a:r>
+              <a:rPr lang="en-IN" sz="1800" b="1" dirty="0">
+                <a:solidFill>
+                  <a:srgbClr val="000000"/>
+                </a:solidFill>
+              </a:rPr>
+              <a:t> {</a:t>
+            </a:r>
+          </a:p>
+          <a:p>
+            <a:pPr algn="l"/>
+            <a:endParaRPr lang="en-IN" sz="1800" dirty="0"/>
+          </a:p>
+          <a:p>
+            <a:pPr algn="l"/>
+            <a:r>
+              <a:rPr lang="en-IN" sz="1800" dirty="0">
+                <a:solidFill>
+                  <a:srgbClr val="000000"/>
+                </a:solidFill>
+              </a:rPr>
+              <a:t>    </a:t>
+            </a:r>
+            <a:r>
+              <a:rPr lang="en-IN" sz="1800" dirty="0">
+                <a:solidFill>
+                  <a:srgbClr val="646464"/>
+                </a:solidFill>
+              </a:rPr>
+              <a:t>@AggregateIdentifier</a:t>
+            </a:r>
+          </a:p>
+          <a:p>
+            <a:pPr algn="l"/>
+            <a:r>
+              <a:rPr lang="en-IN" sz="1800" dirty="0">
+                <a:solidFill>
+                  <a:srgbClr val="000000"/>
+                </a:solidFill>
+              </a:rPr>
+              <a:t>    </a:t>
+            </a:r>
+            <a:r>
+              <a:rPr lang="en-IN" sz="1800" b="1" dirty="0">
+                <a:solidFill>
+                  <a:srgbClr val="7F0055"/>
+                </a:solidFill>
+              </a:rPr>
+              <a:t>private</a:t>
+            </a:r>
+            <a:r>
+              <a:rPr lang="en-IN" sz="1800" b="1" dirty="0">
+                <a:solidFill>
+                  <a:srgbClr val="000000"/>
+                </a:solidFill>
+              </a:rPr>
+              <a:t> String </a:t>
+            </a:r>
+            <a:r>
+              <a:rPr lang="en-IN" sz="1800" b="1" dirty="0" err="1">
+                <a:solidFill>
+                  <a:srgbClr val="0000C0"/>
+                </a:solidFill>
+              </a:rPr>
+              <a:t>productId</a:t>
+            </a:r>
+            <a:r>
+              <a:rPr lang="en-IN" sz="1800" b="1" dirty="0">
+                <a:solidFill>
+                  <a:srgbClr val="000000"/>
+                </a:solidFill>
+              </a:rPr>
+              <a:t>;</a:t>
+            </a:r>
+          </a:p>
+          <a:p>
+            <a:pPr algn="l"/>
+            <a:r>
+              <a:rPr lang="en-IN" sz="1800" dirty="0">
+                <a:solidFill>
+                  <a:srgbClr val="000000"/>
+                </a:solidFill>
+              </a:rPr>
+              <a:t>    </a:t>
+            </a:r>
+            <a:r>
+              <a:rPr lang="en-IN" sz="1800" b="1" dirty="0">
+                <a:solidFill>
+                  <a:srgbClr val="7F0055"/>
+                </a:solidFill>
+              </a:rPr>
+              <a:t>private</a:t>
+            </a:r>
+            <a:r>
+              <a:rPr lang="en-IN" sz="1800" b="1" dirty="0">
+                <a:solidFill>
+                  <a:srgbClr val="000000"/>
+                </a:solidFill>
+              </a:rPr>
+              <a:t> String </a:t>
+            </a:r>
+            <a:r>
+              <a:rPr lang="en-IN" sz="1800" b="1" u="sng" dirty="0">
+                <a:solidFill>
+                  <a:srgbClr val="0000C0"/>
+                </a:solidFill>
+              </a:rPr>
+              <a:t>name</a:t>
+            </a:r>
+            <a:r>
+              <a:rPr lang="en-IN" sz="1800" b="1" u="sng" dirty="0">
+                <a:solidFill>
+                  <a:srgbClr val="000000"/>
+                </a:solidFill>
+              </a:rPr>
+              <a:t>;</a:t>
+            </a:r>
+          </a:p>
+          <a:p>
+            <a:pPr algn="l"/>
+            <a:r>
+              <a:rPr lang="en-IN" sz="1800" dirty="0">
+                <a:solidFill>
+                  <a:srgbClr val="000000"/>
+                </a:solidFill>
+              </a:rPr>
+              <a:t>    </a:t>
+            </a:r>
+            <a:r>
+              <a:rPr lang="en-IN" sz="1800" b="1" dirty="0">
+                <a:solidFill>
+                  <a:srgbClr val="7F0055"/>
+                </a:solidFill>
+              </a:rPr>
+              <a:t>private</a:t>
+            </a:r>
+            <a:r>
+              <a:rPr lang="en-IN" sz="1800" b="1" dirty="0">
+                <a:solidFill>
+                  <a:srgbClr val="000000"/>
+                </a:solidFill>
+              </a:rPr>
+              <a:t> </a:t>
+            </a:r>
+            <a:r>
+              <a:rPr lang="en-IN" sz="1800" b="1" dirty="0" err="1">
+                <a:solidFill>
+                  <a:srgbClr val="000000"/>
+                </a:solidFill>
+              </a:rPr>
+              <a:t>BigDecimal</a:t>
+            </a:r>
+            <a:r>
+              <a:rPr lang="en-IN" sz="1800" b="1" dirty="0">
+                <a:solidFill>
+                  <a:srgbClr val="000000"/>
+                </a:solidFill>
+              </a:rPr>
+              <a:t> </a:t>
+            </a:r>
+            <a:r>
+              <a:rPr lang="en-IN" sz="1800" b="1" u="sng" dirty="0">
+                <a:solidFill>
+                  <a:srgbClr val="0000C0"/>
+                </a:solidFill>
+              </a:rPr>
+              <a:t>price</a:t>
+            </a:r>
+            <a:r>
+              <a:rPr lang="en-IN" sz="1800" b="1" u="sng" dirty="0">
+                <a:solidFill>
+                  <a:srgbClr val="000000"/>
+                </a:solidFill>
+              </a:rPr>
+              <a:t>;</a:t>
+            </a:r>
+          </a:p>
+          <a:p>
+            <a:pPr algn="l"/>
+            <a:r>
+              <a:rPr lang="en-IN" sz="1800" dirty="0">
+                <a:solidFill>
+                  <a:srgbClr val="000000"/>
+                </a:solidFill>
+              </a:rPr>
+              <a:t>    </a:t>
+            </a:r>
+            <a:r>
+              <a:rPr lang="en-IN" sz="1800" b="1" dirty="0">
+                <a:solidFill>
+                  <a:srgbClr val="7F0055"/>
+                </a:solidFill>
+              </a:rPr>
+              <a:t>private</a:t>
+            </a:r>
+            <a:r>
+              <a:rPr lang="en-IN" sz="1800" b="1" dirty="0">
+                <a:solidFill>
+                  <a:srgbClr val="000000"/>
+                </a:solidFill>
+              </a:rPr>
+              <a:t> Integer </a:t>
+            </a:r>
+            <a:r>
+              <a:rPr lang="en-IN" sz="1800" b="1" u="sng" dirty="0">
+                <a:solidFill>
+                  <a:srgbClr val="0000C0"/>
+                </a:solidFill>
+              </a:rPr>
+              <a:t>quantity</a:t>
+            </a:r>
+            <a:r>
+              <a:rPr lang="en-IN" sz="1800" b="1" u="sng" dirty="0">
+                <a:solidFill>
+                  <a:srgbClr val="000000"/>
+                </a:solidFill>
+              </a:rPr>
+              <a:t>;</a:t>
+            </a:r>
+          </a:p>
+          <a:p>
+            <a:pPr algn="l"/>
+            <a:endParaRPr lang="en-IN" b="1" u="sng" dirty="0">
+              <a:solidFill>
+                <a:srgbClr val="000000"/>
+              </a:solidFill>
+            </a:endParaRPr>
+          </a:p>
+          <a:p>
+            <a:r>
+              <a:rPr lang="en-IN" dirty="0"/>
+              <a:t> @CommandHandler</a:t>
+            </a:r>
+          </a:p>
+          <a:p>
+            <a:r>
+              <a:rPr lang="en-IN" dirty="0"/>
+              <a:t>    </a:t>
+            </a:r>
+            <a:r>
+              <a:rPr lang="en-IN" b="1" dirty="0"/>
+              <a:t>public </a:t>
+            </a:r>
+            <a:r>
+              <a:rPr lang="en-IN" b="1" dirty="0" err="1"/>
+              <a:t>ProductAggregate</a:t>
+            </a:r>
+            <a:r>
+              <a:rPr lang="en-IN" b="1" dirty="0"/>
+              <a:t>(</a:t>
+            </a:r>
+            <a:r>
+              <a:rPr lang="en-IN" b="1" dirty="0" err="1"/>
+              <a:t>CreateProductCommand</a:t>
+            </a:r>
+            <a:r>
+              <a:rPr lang="en-IN" b="1" dirty="0"/>
+              <a:t> </a:t>
+            </a:r>
+            <a:r>
+              <a:rPr lang="en-IN" b="1" dirty="0" err="1"/>
+              <a:t>createProductCommand</a:t>
+            </a:r>
+            <a:r>
+              <a:rPr lang="en-IN" b="1" dirty="0"/>
+              <a:t>) {</a:t>
+            </a:r>
+          </a:p>
+          <a:p>
+            <a:r>
+              <a:rPr lang="en-US" dirty="0"/>
+              <a:t>        //You can perform all the validations</a:t>
+            </a:r>
+          </a:p>
+          <a:p>
+            <a:r>
+              <a:rPr lang="en-IN" dirty="0"/>
+              <a:t>        </a:t>
+            </a:r>
+            <a:r>
+              <a:rPr lang="en-IN" dirty="0" err="1"/>
+              <a:t>ProductCreatedEvent</a:t>
+            </a:r>
+            <a:r>
+              <a:rPr lang="en-IN" dirty="0"/>
+              <a:t> </a:t>
+            </a:r>
+            <a:r>
+              <a:rPr lang="en-IN" dirty="0" err="1"/>
+              <a:t>productCreatedEvent</a:t>
+            </a:r>
+            <a:r>
+              <a:rPr lang="en-IN" dirty="0"/>
+              <a:t> =</a:t>
+            </a:r>
+          </a:p>
+          <a:p>
+            <a:r>
+              <a:rPr lang="en-IN" dirty="0"/>
+              <a:t>                </a:t>
+            </a:r>
+            <a:r>
+              <a:rPr lang="en-IN" b="1" dirty="0"/>
+              <a:t>new </a:t>
+            </a:r>
+            <a:r>
+              <a:rPr lang="en-IN" b="1" dirty="0" err="1"/>
+              <a:t>ProductCreatedEvent</a:t>
+            </a:r>
+            <a:r>
+              <a:rPr lang="en-IN" b="1" dirty="0"/>
+              <a:t>();</a:t>
+            </a:r>
+          </a:p>
+          <a:p>
+            <a:endParaRPr lang="en-IN" dirty="0"/>
+          </a:p>
+          <a:p>
+            <a:r>
+              <a:rPr lang="en-IN" dirty="0"/>
+              <a:t>        </a:t>
+            </a:r>
+            <a:r>
+              <a:rPr lang="en-IN" dirty="0" err="1"/>
+              <a:t>BeanUtils.</a:t>
+            </a:r>
+            <a:r>
+              <a:rPr lang="en-IN" i="1" dirty="0" err="1"/>
+              <a:t>copyProperties</a:t>
+            </a:r>
+            <a:r>
+              <a:rPr lang="en-IN" i="1" dirty="0"/>
+              <a:t>(</a:t>
+            </a:r>
+            <a:r>
+              <a:rPr lang="en-IN" i="1" dirty="0" err="1"/>
+              <a:t>createProductCommand,productCreatedEvent</a:t>
+            </a:r>
+            <a:r>
+              <a:rPr lang="en-IN" i="1" dirty="0"/>
+              <a:t>);</a:t>
+            </a:r>
+          </a:p>
+          <a:p>
+            <a:endParaRPr lang="en-IN" dirty="0"/>
+          </a:p>
+          <a:p>
+            <a:r>
+              <a:rPr lang="en-IN" dirty="0"/>
+              <a:t>        </a:t>
+            </a:r>
+            <a:r>
+              <a:rPr lang="en-IN" dirty="0" err="1"/>
+              <a:t>AggregateLifecycle.</a:t>
+            </a:r>
+            <a:r>
+              <a:rPr lang="en-IN" i="1" dirty="0" err="1"/>
+              <a:t>apply</a:t>
+            </a:r>
+            <a:r>
+              <a:rPr lang="en-IN" i="1" dirty="0"/>
+              <a:t>(</a:t>
+            </a:r>
+            <a:r>
+              <a:rPr lang="en-IN" i="1" dirty="0" err="1"/>
+              <a:t>productCreatedEvent</a:t>
+            </a:r>
+            <a:r>
+              <a:rPr lang="en-IN" i="1" dirty="0"/>
+              <a:t>);</a:t>
+            </a:r>
+          </a:p>
+          <a:p>
+            <a:r>
+              <a:rPr lang="en-IN" dirty="0"/>
+              <a:t>    }</a:t>
+            </a:r>
+          </a:p>
+        </p:txBody>
+      </p:sp>
+      <p:sp>
+        <p:nvSpPr>
+          <p:cNvPr id="5" name="TextBox 4">
+            <a:extLst>
+              <a:ext uri="{FF2B5EF4-FFF2-40B4-BE49-F238E27FC236}">
+                <a16:creationId xmlns:a16="http://schemas.microsoft.com/office/drawing/2014/main" id="{89635C0D-BC9D-4628-963F-3ED44734A077}"/>
+              </a:ext>
+            </a:extLst>
+          </p:cNvPr>
+          <p:cNvSpPr txBox="1"/>
+          <p:nvPr/>
+        </p:nvSpPr>
+        <p:spPr>
+          <a:xfrm>
+            <a:off x="5570621" y="516169"/>
+            <a:ext cx="6097604" cy="923330"/>
+          </a:xfrm>
+          <a:prstGeom prst="rect">
+            <a:avLst/>
+          </a:prstGeom>
+          <a:noFill/>
+        </p:spPr>
+        <p:txBody>
+          <a:bodyPr wrap="square">
+            <a:spAutoFit/>
+          </a:bodyPr>
+          <a:lstStyle/>
+          <a:p>
+            <a:r>
+              <a:rPr lang="en-US" b="0" i="1" dirty="0">
+                <a:solidFill>
+                  <a:srgbClr val="000000"/>
+                </a:solidFill>
+                <a:effectLst/>
+                <a:latin typeface="-apple-system"/>
+              </a:rPr>
+              <a:t>An aggregate is a self-contained tree of objects capable of processing commands. Event Sourcing used to implement aggregates in Axon</a:t>
+            </a:r>
+            <a:endParaRPr lang="en-IN" dirty="0"/>
+          </a:p>
+        </p:txBody>
+      </p:sp>
+      <p:sp>
+        <p:nvSpPr>
+          <p:cNvPr id="11" name="TextBox 10">
+            <a:extLst>
+              <a:ext uri="{FF2B5EF4-FFF2-40B4-BE49-F238E27FC236}">
+                <a16:creationId xmlns:a16="http://schemas.microsoft.com/office/drawing/2014/main" id="{5BBCADC8-2382-4FF5-A556-485AE7A8DE7F}"/>
+              </a:ext>
+            </a:extLst>
+          </p:cNvPr>
+          <p:cNvSpPr txBox="1"/>
+          <p:nvPr/>
+        </p:nvSpPr>
+        <p:spPr>
+          <a:xfrm>
+            <a:off x="5493619" y="1815429"/>
+            <a:ext cx="6097604" cy="369332"/>
+          </a:xfrm>
+          <a:prstGeom prst="rect">
+            <a:avLst/>
+          </a:prstGeom>
+          <a:noFill/>
+        </p:spPr>
+        <p:txBody>
+          <a:bodyPr wrap="square">
+            <a:spAutoFit/>
+          </a:bodyPr>
+          <a:lstStyle/>
+          <a:p>
+            <a:r>
+              <a:rPr lang="en-US" b="0" i="0" dirty="0">
+                <a:solidFill>
+                  <a:srgbClr val="000000"/>
+                </a:solidFill>
+                <a:effectLst/>
+                <a:latin typeface="-apple-system"/>
+              </a:rPr>
+              <a:t>annotation signify that the class is Aggregator class.</a:t>
+            </a:r>
+            <a:endParaRPr lang="en-IN" dirty="0"/>
+          </a:p>
+        </p:txBody>
+      </p:sp>
+      <p:cxnSp>
+        <p:nvCxnSpPr>
+          <p:cNvPr id="13" name="Straight Arrow Connector 12">
+            <a:extLst>
+              <a:ext uri="{FF2B5EF4-FFF2-40B4-BE49-F238E27FC236}">
+                <a16:creationId xmlns:a16="http://schemas.microsoft.com/office/drawing/2014/main" id="{8F5B8622-0ED3-476F-B466-27C88D79763F}"/>
+              </a:ext>
+            </a:extLst>
+          </p:cNvPr>
+          <p:cNvCxnSpPr>
+            <a:cxnSpLocks/>
+          </p:cNvCxnSpPr>
+          <p:nvPr/>
+        </p:nvCxnSpPr>
+        <p:spPr>
+          <a:xfrm>
+            <a:off x="2926080" y="1647967"/>
+            <a:ext cx="2483318" cy="334924"/>
+          </a:xfrm>
+          <a:prstGeom prst="straightConnector1">
+            <a:avLst/>
+          </a:prstGeom>
+          <a:ln>
+            <a:tailEnd type="triangle"/>
+          </a:ln>
+        </p:spPr>
+        <p:style>
+          <a:lnRef idx="1">
+            <a:schemeClr val="accent1"/>
+          </a:lnRef>
+          <a:fillRef idx="0">
+            <a:schemeClr val="accent1"/>
+          </a:fillRef>
+          <a:effectRef idx="0">
+            <a:schemeClr val="accent1"/>
+          </a:effectRef>
+          <a:fontRef idx="minor">
+            <a:schemeClr val="tx1"/>
+          </a:fontRef>
+        </p:style>
+      </p:cxnSp>
+      <p:sp>
+        <p:nvSpPr>
+          <p:cNvPr id="17" name="TextBox 16">
+            <a:extLst>
+              <a:ext uri="{FF2B5EF4-FFF2-40B4-BE49-F238E27FC236}">
+                <a16:creationId xmlns:a16="http://schemas.microsoft.com/office/drawing/2014/main" id="{9A15A995-1B4A-44A0-86BA-DF557802DD60}"/>
+              </a:ext>
+            </a:extLst>
+          </p:cNvPr>
+          <p:cNvSpPr txBox="1"/>
+          <p:nvPr/>
+        </p:nvSpPr>
+        <p:spPr>
+          <a:xfrm>
+            <a:off x="6795435" y="4350074"/>
+            <a:ext cx="5113421" cy="646331"/>
+          </a:xfrm>
+          <a:prstGeom prst="rect">
+            <a:avLst/>
+          </a:prstGeom>
+          <a:noFill/>
+        </p:spPr>
+        <p:txBody>
+          <a:bodyPr wrap="square">
+            <a:spAutoFit/>
+          </a:bodyPr>
+          <a:lstStyle/>
+          <a:p>
+            <a:r>
+              <a:rPr lang="en-IN" dirty="0" err="1"/>
+              <a:t>AggregateLifecycle.apply</a:t>
+            </a:r>
+            <a:r>
+              <a:rPr lang="en-IN" dirty="0"/>
+              <a:t>, invokes event source handler method</a:t>
+            </a:r>
+          </a:p>
+        </p:txBody>
+      </p:sp>
+      <p:cxnSp>
+        <p:nvCxnSpPr>
+          <p:cNvPr id="21" name="Straight Arrow Connector 20">
+            <a:extLst>
+              <a:ext uri="{FF2B5EF4-FFF2-40B4-BE49-F238E27FC236}">
+                <a16:creationId xmlns:a16="http://schemas.microsoft.com/office/drawing/2014/main" id="{7D8255C9-6879-4CF7-9E14-5984920D5365}"/>
+              </a:ext>
+            </a:extLst>
+          </p:cNvPr>
+          <p:cNvCxnSpPr/>
+          <p:nvPr/>
+        </p:nvCxnSpPr>
+        <p:spPr>
+          <a:xfrm flipV="1">
+            <a:off x="5717406" y="5034013"/>
+            <a:ext cx="1790299" cy="1318661"/>
+          </a:xfrm>
+          <a:prstGeom prst="straightConnector1">
+            <a:avLst/>
+          </a:prstGeom>
+          <a:ln>
+            <a:tailEnd type="triangle"/>
+          </a:ln>
+        </p:spPr>
+        <p:style>
+          <a:lnRef idx="1">
+            <a:schemeClr val="accent1"/>
+          </a:lnRef>
+          <a:fillRef idx="0">
+            <a:schemeClr val="accent1"/>
+          </a:fillRef>
+          <a:effectRef idx="0">
+            <a:schemeClr val="accent1"/>
+          </a:effectRef>
+          <a:fontRef idx="minor">
+            <a:schemeClr val="tx1"/>
+          </a:fontRef>
+        </p:style>
+      </p:cxnSp>
+    </p:spTree>
+    <p:extLst>
+      <p:ext uri="{BB962C8B-B14F-4D97-AF65-F5344CB8AC3E}">
+        <p14:creationId xmlns:p14="http://schemas.microsoft.com/office/powerpoint/2010/main" val="389750603"/>
+      </p:ext>
+    </p:extLst>
+  </p:cSld>
+  <p:clrMapOvr>
+    <a:masterClrMapping/>
+  </p:clrMapOvr>
+  <p:timing>
+    <p:tnLst>
+      <p:par>
+        <p:cTn id="1" dur="indefinite" restart="never" nodeType="tmRoot">
+          <p:childTnLst>
+            <p:seq concurrent="1" nextAc="seek">
+              <p:cTn id="2" dur="indefinite" nodeType="mainSeq">
+                <p:childTnLst>
+                  <p:par>
+                    <p:cTn id="3" fill="hold">
+                      <p:stCondLst>
+                        <p:cond delay="indefinite"/>
+                      </p:stCondLst>
+                      <p:childTnLst>
+                        <p:par>
+                          <p:cTn id="4" fill="hold">
+                            <p:stCondLst>
+                              <p:cond delay="0"/>
+                            </p:stCondLst>
+                            <p:childTnLst>
+                              <p:par>
+                                <p:cTn id="5" presetID="2" presetClass="entr" presetSubtype="4" fill="hold" grpId="0" nodeType="clickEffect">
+                                  <p:stCondLst>
+                                    <p:cond delay="0"/>
+                                  </p:stCondLst>
+                                  <p:childTnLst>
+                                    <p:set>
+                                      <p:cBhvr>
+                                        <p:cTn id="6" dur="1" fill="hold">
+                                          <p:stCondLst>
+                                            <p:cond delay="0"/>
+                                          </p:stCondLst>
+                                        </p:cTn>
+                                        <p:tgtEl>
+                                          <p:spTgt spid="3"/>
+                                        </p:tgtEl>
+                                        <p:attrNameLst>
+                                          <p:attrName>style.visibility</p:attrName>
+                                        </p:attrNameLst>
+                                      </p:cBhvr>
+                                      <p:to>
+                                        <p:strVal val="visible"/>
+                                      </p:to>
+                                    </p:set>
+                                    <p:anim calcmode="lin" valueType="num">
+                                      <p:cBhvr additive="base">
+                                        <p:cTn id="7" dur="500" fill="hold"/>
+                                        <p:tgtEl>
+                                          <p:spTgt spid="3"/>
+                                        </p:tgtEl>
+                                        <p:attrNameLst>
+                                          <p:attrName>ppt_x</p:attrName>
+                                        </p:attrNameLst>
+                                      </p:cBhvr>
+                                      <p:tavLst>
+                                        <p:tav tm="0">
+                                          <p:val>
+                                            <p:strVal val="#ppt_x"/>
+                                          </p:val>
+                                        </p:tav>
+                                        <p:tav tm="100000">
+                                          <p:val>
+                                            <p:strVal val="#ppt_x"/>
+                                          </p:val>
+                                        </p:tav>
+                                      </p:tavLst>
+                                    </p:anim>
+                                    <p:anim calcmode="lin" valueType="num">
+                                      <p:cBhvr additive="base">
+                                        <p:cTn id="8" dur="500" fill="hold"/>
+                                        <p:tgtEl>
+                                          <p:spTgt spid="3"/>
+                                        </p:tgtEl>
+                                        <p:attrNameLst>
+                                          <p:attrName>ppt_y</p:attrName>
+                                        </p:attrNameLst>
+                                      </p:cBhvr>
+                                      <p:tavLst>
+                                        <p:tav tm="0">
+                                          <p:val>
+                                            <p:strVal val="1+#ppt_h/2"/>
+                                          </p:val>
+                                        </p:tav>
+                                        <p:tav tm="100000">
+                                          <p:val>
+                                            <p:strVal val="#ppt_y"/>
+                                          </p:val>
+                                        </p:tav>
+                                      </p:tavLst>
+                                    </p:anim>
+                                  </p:childTnLst>
+                                </p:cTn>
+                              </p:par>
+                            </p:childTnLst>
+                          </p:cTn>
+                        </p:par>
+                      </p:childTnLst>
+                    </p:cTn>
+                  </p:par>
+                  <p:par>
+                    <p:cTn id="9" fill="hold">
+                      <p:stCondLst>
+                        <p:cond delay="indefinite"/>
+                      </p:stCondLst>
+                      <p:childTnLst>
+                        <p:par>
+                          <p:cTn id="10" fill="hold">
+                            <p:stCondLst>
+                              <p:cond delay="0"/>
+                            </p:stCondLst>
+                            <p:childTnLst>
+                              <p:par>
+                                <p:cTn id="11" presetID="2" presetClass="entr" presetSubtype="4" fill="hold" grpId="0" nodeType="clickEffect">
+                                  <p:stCondLst>
+                                    <p:cond delay="0"/>
+                                  </p:stCondLst>
+                                  <p:childTnLst>
+                                    <p:set>
+                                      <p:cBhvr>
+                                        <p:cTn id="12" dur="1" fill="hold">
+                                          <p:stCondLst>
+                                            <p:cond delay="0"/>
+                                          </p:stCondLst>
+                                        </p:cTn>
+                                        <p:tgtEl>
+                                          <p:spTgt spid="5"/>
+                                        </p:tgtEl>
+                                        <p:attrNameLst>
+                                          <p:attrName>style.visibility</p:attrName>
+                                        </p:attrNameLst>
+                                      </p:cBhvr>
+                                      <p:to>
+                                        <p:strVal val="visible"/>
+                                      </p:to>
+                                    </p:set>
+                                    <p:anim calcmode="lin" valueType="num">
+                                      <p:cBhvr additive="base">
+                                        <p:cTn id="13" dur="500" fill="hold"/>
+                                        <p:tgtEl>
+                                          <p:spTgt spid="5"/>
+                                        </p:tgtEl>
+                                        <p:attrNameLst>
+                                          <p:attrName>ppt_x</p:attrName>
+                                        </p:attrNameLst>
+                                      </p:cBhvr>
+                                      <p:tavLst>
+                                        <p:tav tm="0">
+                                          <p:val>
+                                            <p:strVal val="#ppt_x"/>
+                                          </p:val>
+                                        </p:tav>
+                                        <p:tav tm="100000">
+                                          <p:val>
+                                            <p:strVal val="#ppt_x"/>
+                                          </p:val>
+                                        </p:tav>
+                                      </p:tavLst>
+                                    </p:anim>
+                                    <p:anim calcmode="lin" valueType="num">
+                                      <p:cBhvr additive="base">
+                                        <p:cTn id="14" dur="500" fill="hold"/>
+                                        <p:tgtEl>
+                                          <p:spTgt spid="5"/>
+                                        </p:tgtEl>
+                                        <p:attrNameLst>
+                                          <p:attrName>ppt_y</p:attrName>
+                                        </p:attrNameLst>
+                                      </p:cBhvr>
+                                      <p:tavLst>
+                                        <p:tav tm="0">
+                                          <p:val>
+                                            <p:strVal val="1+#ppt_h/2"/>
+                                          </p:val>
+                                        </p:tav>
+                                        <p:tav tm="100000">
+                                          <p:val>
+                                            <p:strVal val="#ppt_y"/>
+                                          </p:val>
+                                        </p:tav>
+                                      </p:tavLst>
+                                    </p:anim>
+                                  </p:childTnLst>
+                                </p:cTn>
+                              </p:par>
+                            </p:childTnLst>
+                          </p:cTn>
+                        </p:par>
+                      </p:childTnLst>
+                    </p:cTn>
+                  </p:par>
+                  <p:par>
+                    <p:cTn id="15" fill="hold">
+                      <p:stCondLst>
+                        <p:cond delay="indefinite"/>
+                      </p:stCondLst>
+                      <p:childTnLst>
+                        <p:par>
+                          <p:cTn id="16" fill="hold">
+                            <p:stCondLst>
+                              <p:cond delay="0"/>
+                            </p:stCondLst>
+                            <p:childTnLst>
+                              <p:par>
+                                <p:cTn id="17" presetID="2" presetClass="entr" presetSubtype="4" fill="hold" nodeType="clickEffect">
+                                  <p:stCondLst>
+                                    <p:cond delay="0"/>
+                                  </p:stCondLst>
+                                  <p:childTnLst>
+                                    <p:set>
+                                      <p:cBhvr>
+                                        <p:cTn id="18" dur="1" fill="hold">
+                                          <p:stCondLst>
+                                            <p:cond delay="0"/>
+                                          </p:stCondLst>
+                                        </p:cTn>
+                                        <p:tgtEl>
+                                          <p:spTgt spid="13"/>
+                                        </p:tgtEl>
+                                        <p:attrNameLst>
+                                          <p:attrName>style.visibility</p:attrName>
+                                        </p:attrNameLst>
+                                      </p:cBhvr>
+                                      <p:to>
+                                        <p:strVal val="visible"/>
+                                      </p:to>
+                                    </p:set>
+                                    <p:anim calcmode="lin" valueType="num">
+                                      <p:cBhvr additive="base">
+                                        <p:cTn id="19" dur="500" fill="hold"/>
+                                        <p:tgtEl>
+                                          <p:spTgt spid="13"/>
+                                        </p:tgtEl>
+                                        <p:attrNameLst>
+                                          <p:attrName>ppt_x</p:attrName>
+                                        </p:attrNameLst>
+                                      </p:cBhvr>
+                                      <p:tavLst>
+                                        <p:tav tm="0">
+                                          <p:val>
+                                            <p:strVal val="#ppt_x"/>
+                                          </p:val>
+                                        </p:tav>
+                                        <p:tav tm="100000">
+                                          <p:val>
+                                            <p:strVal val="#ppt_x"/>
+                                          </p:val>
+                                        </p:tav>
+                                      </p:tavLst>
+                                    </p:anim>
+                                    <p:anim calcmode="lin" valueType="num">
+                                      <p:cBhvr additive="base">
+                                        <p:cTn id="20" dur="500" fill="hold"/>
+                                        <p:tgtEl>
+                                          <p:spTgt spid="13"/>
+                                        </p:tgtEl>
+                                        <p:attrNameLst>
+                                          <p:attrName>ppt_y</p:attrName>
+                                        </p:attrNameLst>
+                                      </p:cBhvr>
+                                      <p:tavLst>
+                                        <p:tav tm="0">
+                                          <p:val>
+                                            <p:strVal val="1+#ppt_h/2"/>
+                                          </p:val>
+                                        </p:tav>
+                                        <p:tav tm="100000">
+                                          <p:val>
+                                            <p:strVal val="#ppt_y"/>
+                                          </p:val>
+                                        </p:tav>
+                                      </p:tavLst>
+                                    </p:anim>
+                                  </p:childTnLst>
+                                </p:cTn>
+                              </p:par>
+                              <p:par>
+                                <p:cTn id="21" presetID="2" presetClass="entr" presetSubtype="4" fill="hold" grpId="0" nodeType="withEffect">
+                                  <p:stCondLst>
+                                    <p:cond delay="0"/>
+                                  </p:stCondLst>
+                                  <p:childTnLst>
+                                    <p:set>
+                                      <p:cBhvr>
+                                        <p:cTn id="22" dur="1" fill="hold">
+                                          <p:stCondLst>
+                                            <p:cond delay="0"/>
+                                          </p:stCondLst>
+                                        </p:cTn>
+                                        <p:tgtEl>
+                                          <p:spTgt spid="11"/>
+                                        </p:tgtEl>
+                                        <p:attrNameLst>
+                                          <p:attrName>style.visibility</p:attrName>
+                                        </p:attrNameLst>
+                                      </p:cBhvr>
+                                      <p:to>
+                                        <p:strVal val="visible"/>
+                                      </p:to>
+                                    </p:set>
+                                    <p:anim calcmode="lin" valueType="num">
+                                      <p:cBhvr additive="base">
+                                        <p:cTn id="23" dur="500" fill="hold"/>
+                                        <p:tgtEl>
+                                          <p:spTgt spid="11"/>
+                                        </p:tgtEl>
+                                        <p:attrNameLst>
+                                          <p:attrName>ppt_x</p:attrName>
+                                        </p:attrNameLst>
+                                      </p:cBhvr>
+                                      <p:tavLst>
+                                        <p:tav tm="0">
+                                          <p:val>
+                                            <p:strVal val="#ppt_x"/>
+                                          </p:val>
+                                        </p:tav>
+                                        <p:tav tm="100000">
+                                          <p:val>
+                                            <p:strVal val="#ppt_x"/>
+                                          </p:val>
+                                        </p:tav>
+                                      </p:tavLst>
+                                    </p:anim>
+                                    <p:anim calcmode="lin" valueType="num">
+                                      <p:cBhvr additive="base">
+                                        <p:cTn id="24" dur="500" fill="hold"/>
+                                        <p:tgtEl>
+                                          <p:spTgt spid="11"/>
+                                        </p:tgtEl>
+                                        <p:attrNameLst>
+                                          <p:attrName>ppt_y</p:attrName>
+                                        </p:attrNameLst>
+                                      </p:cBhvr>
+                                      <p:tavLst>
+                                        <p:tav tm="0">
+                                          <p:val>
+                                            <p:strVal val="1+#ppt_h/2"/>
+                                          </p:val>
+                                        </p:tav>
+                                        <p:tav tm="100000">
+                                          <p:val>
+                                            <p:strVal val="#ppt_y"/>
+                                          </p:val>
+                                        </p:tav>
+                                      </p:tavLst>
+                                    </p:anim>
+                                  </p:childTnLst>
+                                </p:cTn>
+                              </p:par>
+                            </p:childTnLst>
+                          </p:cTn>
+                        </p:par>
+                      </p:childTnLst>
+                    </p:cTn>
+                  </p:par>
+                  <p:par>
+                    <p:cTn id="25" fill="hold">
+                      <p:stCondLst>
+                        <p:cond delay="indefinite"/>
+                      </p:stCondLst>
+                      <p:childTnLst>
+                        <p:par>
+                          <p:cTn id="26" fill="hold">
+                            <p:stCondLst>
+                              <p:cond delay="0"/>
+                            </p:stCondLst>
+                            <p:childTnLst>
+                              <p:par>
+                                <p:cTn id="27" presetID="2" presetClass="entr" presetSubtype="4" fill="hold" nodeType="clickEffect">
+                                  <p:stCondLst>
+                                    <p:cond delay="0"/>
+                                  </p:stCondLst>
+                                  <p:childTnLst>
+                                    <p:set>
+                                      <p:cBhvr>
+                                        <p:cTn id="28" dur="1" fill="hold">
+                                          <p:stCondLst>
+                                            <p:cond delay="0"/>
+                                          </p:stCondLst>
+                                        </p:cTn>
+                                        <p:tgtEl>
+                                          <p:spTgt spid="21"/>
+                                        </p:tgtEl>
+                                        <p:attrNameLst>
+                                          <p:attrName>style.visibility</p:attrName>
+                                        </p:attrNameLst>
+                                      </p:cBhvr>
+                                      <p:to>
+                                        <p:strVal val="visible"/>
+                                      </p:to>
+                                    </p:set>
+                                    <p:anim calcmode="lin" valueType="num">
+                                      <p:cBhvr additive="base">
+                                        <p:cTn id="29" dur="500" fill="hold"/>
+                                        <p:tgtEl>
+                                          <p:spTgt spid="21"/>
+                                        </p:tgtEl>
+                                        <p:attrNameLst>
+                                          <p:attrName>ppt_x</p:attrName>
+                                        </p:attrNameLst>
+                                      </p:cBhvr>
+                                      <p:tavLst>
+                                        <p:tav tm="0">
+                                          <p:val>
+                                            <p:strVal val="#ppt_x"/>
+                                          </p:val>
+                                        </p:tav>
+                                        <p:tav tm="100000">
+                                          <p:val>
+                                            <p:strVal val="#ppt_x"/>
+                                          </p:val>
+                                        </p:tav>
+                                      </p:tavLst>
+                                    </p:anim>
+                                    <p:anim calcmode="lin" valueType="num">
+                                      <p:cBhvr additive="base">
+                                        <p:cTn id="30" dur="500" fill="hold"/>
+                                        <p:tgtEl>
+                                          <p:spTgt spid="21"/>
+                                        </p:tgtEl>
+                                        <p:attrNameLst>
+                                          <p:attrName>ppt_y</p:attrName>
+                                        </p:attrNameLst>
+                                      </p:cBhvr>
+                                      <p:tavLst>
+                                        <p:tav tm="0">
+                                          <p:val>
+                                            <p:strVal val="1+#ppt_h/2"/>
+                                          </p:val>
+                                        </p:tav>
+                                        <p:tav tm="100000">
+                                          <p:val>
+                                            <p:strVal val="#ppt_y"/>
+                                          </p:val>
+                                        </p:tav>
+                                      </p:tavLst>
+                                    </p:anim>
+                                  </p:childTnLst>
+                                </p:cTn>
+                              </p:par>
+                              <p:par>
+                                <p:cTn id="31" presetID="2" presetClass="entr" presetSubtype="4" fill="hold" grpId="0" nodeType="withEffect">
+                                  <p:stCondLst>
+                                    <p:cond delay="0"/>
+                                  </p:stCondLst>
+                                  <p:childTnLst>
+                                    <p:set>
+                                      <p:cBhvr>
+                                        <p:cTn id="32" dur="1" fill="hold">
+                                          <p:stCondLst>
+                                            <p:cond delay="0"/>
+                                          </p:stCondLst>
+                                        </p:cTn>
+                                        <p:tgtEl>
+                                          <p:spTgt spid="17"/>
+                                        </p:tgtEl>
+                                        <p:attrNameLst>
+                                          <p:attrName>style.visibility</p:attrName>
+                                        </p:attrNameLst>
+                                      </p:cBhvr>
+                                      <p:to>
+                                        <p:strVal val="visible"/>
+                                      </p:to>
+                                    </p:set>
+                                    <p:anim calcmode="lin" valueType="num">
+                                      <p:cBhvr additive="base">
+                                        <p:cTn id="33" dur="500" fill="hold"/>
+                                        <p:tgtEl>
+                                          <p:spTgt spid="17"/>
+                                        </p:tgtEl>
+                                        <p:attrNameLst>
+                                          <p:attrName>ppt_x</p:attrName>
+                                        </p:attrNameLst>
+                                      </p:cBhvr>
+                                      <p:tavLst>
+                                        <p:tav tm="0">
+                                          <p:val>
+                                            <p:strVal val="#ppt_x"/>
+                                          </p:val>
+                                        </p:tav>
+                                        <p:tav tm="100000">
+                                          <p:val>
+                                            <p:strVal val="#ppt_x"/>
+                                          </p:val>
+                                        </p:tav>
+                                      </p:tavLst>
+                                    </p:anim>
+                                    <p:anim calcmode="lin" valueType="num">
+                                      <p:cBhvr additive="base">
+                                        <p:cTn id="34" dur="500" fill="hold"/>
+                                        <p:tgtEl>
+                                          <p:spTgt spid="17"/>
+                                        </p:tgtEl>
+                                        <p:attrNameLst>
+                                          <p:attrName>ppt_y</p:attrName>
+                                        </p:attrNameLst>
+                                      </p:cBhvr>
+                                      <p:tavLst>
+                                        <p:tav tm="0">
+                                          <p:val>
+                                            <p:strVal val="1+#ppt_h/2"/>
+                                          </p:val>
+                                        </p:tav>
+                                        <p:tav tm="100000">
+                                          <p:val>
+                                            <p:strVal val="#ppt_y"/>
+                                          </p:val>
+                                        </p:tav>
+                                      </p:tavLst>
+                                    </p:anim>
+                                  </p:childTnLst>
+                                </p:cTn>
+                              </p:par>
+                            </p:childTnLst>
+                          </p:cTn>
+                        </p:par>
+                      </p:childTnLst>
+                    </p:cTn>
+                  </p:par>
+                </p:childTnLst>
+              </p:cTn>
+              <p:prevCondLst>
+                <p:cond evt="onPrev" delay="0">
+                  <p:tgtEl>
+                    <p:sldTgt/>
+                  </p:tgtEl>
+                </p:cond>
+              </p:prevCondLst>
+              <p:nextCondLst>
+                <p:cond evt="onNext" delay="0">
+                  <p:tgtEl>
+                    <p:sldTgt/>
+                  </p:tgtEl>
+                </p:cond>
+              </p:nextCondLst>
+            </p:seq>
+          </p:childTnLst>
+        </p:cTn>
+      </p:par>
+    </p:tnLst>
+    <p:bldLst>
+      <p:bldP spid="3" grpId="0"/>
+      <p:bldP spid="5" grpId="0"/>
+      <p:bldP spid="11" grpId="0"/>
+      <p:bldP spid="17" grpId="0"/>
+    </p:bldLst>
+  </p:timing>
+</p:sld>
+</file>
+
+<file path=ppt/slides/slide15.xml><?xml version="1.0" encoding="utf-8"?>
+<p:sld xmlns:a="http://schemas.openxmlformats.org/drawingml/2006/main" xmlns:r="http://schemas.openxmlformats.org/officeDocument/2006/relationships" xmlns:p="http://schemas.openxmlformats.org/presentationml/2006/main">
+  <p:cSld>
+    <p:spTree>
+      <p:nvGrpSpPr>
+        <p:cNvPr id="1" name=""/>
+        <p:cNvGrpSpPr/>
+        <p:nvPr/>
+      </p:nvGrpSpPr>
+      <p:grpSpPr>
+        <a:xfrm>
+          <a:off x="0" y="0"/>
+          <a:ext cx="0" cy="0"/>
+          <a:chOff x="0" y="0"/>
+          <a:chExt cx="0" cy="0"/>
+        </a:xfrm>
+      </p:grpSpPr>
+      <p:sp>
+        <p:nvSpPr>
+          <p:cNvPr id="3" name="TextBox 2">
+            <a:extLst>
+              <a:ext uri="{FF2B5EF4-FFF2-40B4-BE49-F238E27FC236}">
+                <a16:creationId xmlns:a16="http://schemas.microsoft.com/office/drawing/2014/main" id="{93C7FA78-66EA-450A-A386-F19116096D1C}"/>
+              </a:ext>
+            </a:extLst>
+          </p:cNvPr>
+          <p:cNvSpPr txBox="1"/>
+          <p:nvPr/>
+        </p:nvSpPr>
+        <p:spPr>
+          <a:xfrm>
+            <a:off x="519764" y="490889"/>
+            <a:ext cx="8626642" cy="2308324"/>
+          </a:xfrm>
+          <a:prstGeom prst="rect">
+            <a:avLst/>
+          </a:prstGeom>
+          <a:noFill/>
+        </p:spPr>
+        <p:txBody>
+          <a:bodyPr wrap="square">
+            <a:spAutoFit/>
+          </a:bodyPr>
+          <a:lstStyle/>
+          <a:p>
+            <a:endParaRPr lang="en-IN" sz="1800" dirty="0">
+              <a:latin typeface="Consolas" panose="020B0609020204030204" pitchFamily="49" charset="0"/>
+            </a:endParaRPr>
+          </a:p>
+          <a:p>
+            <a:pPr algn="l"/>
+            <a:r>
+              <a:rPr lang="en-IN" sz="1800" dirty="0">
+                <a:solidFill>
+                  <a:srgbClr val="000000"/>
+                </a:solidFill>
+                <a:latin typeface="Consolas" panose="020B0609020204030204" pitchFamily="49" charset="0"/>
+              </a:rPr>
+              <a:t>    </a:t>
+            </a:r>
+            <a:r>
+              <a:rPr lang="en-IN" sz="1800" dirty="0">
+                <a:solidFill>
+                  <a:srgbClr val="646464"/>
+                </a:solidFill>
+                <a:latin typeface="Consolas" panose="020B0609020204030204" pitchFamily="49" charset="0"/>
+              </a:rPr>
+              <a:t>@EventSourcingHandler</a:t>
+            </a:r>
+          </a:p>
+          <a:p>
+            <a:pPr algn="l"/>
+            <a:r>
+              <a:rPr lang="en-US" sz="1800" dirty="0">
+                <a:solidFill>
+                  <a:srgbClr val="000000"/>
+                </a:solidFill>
+                <a:latin typeface="Consolas" panose="020B0609020204030204" pitchFamily="49" charset="0"/>
+              </a:rPr>
+              <a:t>    </a:t>
+            </a:r>
+            <a:r>
+              <a:rPr lang="en-US" sz="1800" b="1" dirty="0">
+                <a:solidFill>
+                  <a:srgbClr val="7F0055"/>
+                </a:solidFill>
+                <a:latin typeface="Consolas" panose="020B0609020204030204" pitchFamily="49" charset="0"/>
+              </a:rPr>
+              <a:t>public</a:t>
+            </a:r>
+            <a:r>
+              <a:rPr lang="en-US" sz="1800" b="1" dirty="0">
+                <a:solidFill>
+                  <a:srgbClr val="000000"/>
+                </a:solidFill>
+                <a:latin typeface="Consolas" panose="020B0609020204030204" pitchFamily="49" charset="0"/>
+              </a:rPr>
+              <a:t> </a:t>
+            </a:r>
+            <a:r>
+              <a:rPr lang="en-US" sz="1800" b="1" dirty="0">
+                <a:solidFill>
+                  <a:srgbClr val="7F0055"/>
+                </a:solidFill>
+                <a:latin typeface="Consolas" panose="020B0609020204030204" pitchFamily="49" charset="0"/>
+              </a:rPr>
+              <a:t>void</a:t>
+            </a:r>
+            <a:r>
+              <a:rPr lang="en-US" sz="1800" b="1" dirty="0">
+                <a:solidFill>
+                  <a:srgbClr val="000000"/>
+                </a:solidFill>
+                <a:latin typeface="Consolas" panose="020B0609020204030204" pitchFamily="49" charset="0"/>
+              </a:rPr>
+              <a:t> on(</a:t>
+            </a:r>
+            <a:r>
+              <a:rPr lang="en-US" sz="1800" b="1" dirty="0" err="1">
+                <a:solidFill>
+                  <a:srgbClr val="000000"/>
+                </a:solidFill>
+                <a:latin typeface="Consolas" panose="020B0609020204030204" pitchFamily="49" charset="0"/>
+              </a:rPr>
+              <a:t>ProductCreatedEvent</a:t>
+            </a:r>
+            <a:r>
+              <a:rPr lang="en-US" sz="1800" b="1" dirty="0">
+                <a:solidFill>
+                  <a:srgbClr val="000000"/>
+                </a:solidFill>
+                <a:latin typeface="Consolas" panose="020B0609020204030204" pitchFamily="49" charset="0"/>
+              </a:rPr>
+              <a:t> </a:t>
+            </a:r>
+            <a:r>
+              <a:rPr lang="en-US" sz="1800" b="1" dirty="0" err="1">
+                <a:solidFill>
+                  <a:srgbClr val="6A3E3E"/>
+                </a:solidFill>
+                <a:latin typeface="Consolas" panose="020B0609020204030204" pitchFamily="49" charset="0"/>
+              </a:rPr>
+              <a:t>productCreatedEvent</a:t>
+            </a:r>
+            <a:r>
+              <a:rPr lang="en-US" sz="1800" b="1" dirty="0">
+                <a:solidFill>
+                  <a:srgbClr val="000000"/>
+                </a:solidFill>
+                <a:latin typeface="Consolas" panose="020B0609020204030204" pitchFamily="49" charset="0"/>
+              </a:rPr>
+              <a:t>) {</a:t>
+            </a:r>
+          </a:p>
+          <a:p>
+            <a:pPr algn="l"/>
+            <a:r>
+              <a:rPr lang="en-IN" sz="1800" dirty="0">
+                <a:solidFill>
+                  <a:srgbClr val="000000"/>
+                </a:solidFill>
+                <a:latin typeface="Consolas" panose="020B0609020204030204" pitchFamily="49" charset="0"/>
+              </a:rPr>
+              <a:t>        </a:t>
+            </a:r>
+            <a:r>
+              <a:rPr lang="en-IN" sz="1800" b="1" dirty="0" err="1">
+                <a:solidFill>
+                  <a:srgbClr val="7F0055"/>
+                </a:solidFill>
+                <a:latin typeface="Consolas" panose="020B0609020204030204" pitchFamily="49" charset="0"/>
+              </a:rPr>
+              <a:t>this</a:t>
+            </a:r>
+            <a:r>
+              <a:rPr lang="en-IN" sz="1800" b="1" dirty="0" err="1">
+                <a:solidFill>
+                  <a:srgbClr val="000000"/>
+                </a:solidFill>
+                <a:latin typeface="Consolas" panose="020B0609020204030204" pitchFamily="49" charset="0"/>
+              </a:rPr>
+              <a:t>.</a:t>
+            </a:r>
+            <a:r>
+              <a:rPr lang="en-IN" sz="1800" b="1" dirty="0" err="1">
+                <a:solidFill>
+                  <a:srgbClr val="0000C0"/>
+                </a:solidFill>
+                <a:latin typeface="Consolas" panose="020B0609020204030204" pitchFamily="49" charset="0"/>
+              </a:rPr>
+              <a:t>quantity</a:t>
+            </a:r>
+            <a:r>
+              <a:rPr lang="en-IN" sz="1800" b="1" dirty="0">
+                <a:solidFill>
+                  <a:srgbClr val="000000"/>
+                </a:solidFill>
+                <a:latin typeface="Consolas" panose="020B0609020204030204" pitchFamily="49" charset="0"/>
+              </a:rPr>
+              <a:t> = </a:t>
+            </a:r>
+            <a:r>
+              <a:rPr lang="en-IN" sz="1800" b="1" dirty="0" err="1">
+                <a:solidFill>
+                  <a:srgbClr val="6A3E3E"/>
+                </a:solidFill>
+                <a:latin typeface="Consolas" panose="020B0609020204030204" pitchFamily="49" charset="0"/>
+              </a:rPr>
+              <a:t>productCreatedEvent</a:t>
+            </a:r>
+            <a:r>
+              <a:rPr lang="en-IN" sz="1800" b="1" dirty="0" err="1">
+                <a:solidFill>
+                  <a:srgbClr val="000000"/>
+                </a:solidFill>
+                <a:latin typeface="Consolas" panose="020B0609020204030204" pitchFamily="49" charset="0"/>
+              </a:rPr>
+              <a:t>.getQuantity</a:t>
+            </a:r>
+            <a:r>
+              <a:rPr lang="en-IN" sz="1800" b="1" dirty="0">
+                <a:solidFill>
+                  <a:srgbClr val="000000"/>
+                </a:solidFill>
+                <a:latin typeface="Consolas" panose="020B0609020204030204" pitchFamily="49" charset="0"/>
+              </a:rPr>
+              <a:t>();</a:t>
+            </a:r>
+          </a:p>
+          <a:p>
+            <a:pPr algn="l"/>
+            <a:r>
+              <a:rPr lang="en-IN" sz="1800" dirty="0">
+                <a:solidFill>
+                  <a:srgbClr val="000000"/>
+                </a:solidFill>
+                <a:latin typeface="Consolas" panose="020B0609020204030204" pitchFamily="49" charset="0"/>
+              </a:rPr>
+              <a:t>        </a:t>
+            </a:r>
+            <a:r>
+              <a:rPr lang="en-IN" sz="1800" b="1" dirty="0" err="1">
+                <a:solidFill>
+                  <a:srgbClr val="7F0055"/>
+                </a:solidFill>
+                <a:latin typeface="Consolas" panose="020B0609020204030204" pitchFamily="49" charset="0"/>
+              </a:rPr>
+              <a:t>this</a:t>
+            </a:r>
+            <a:r>
+              <a:rPr lang="en-IN" sz="1800" b="1" dirty="0" err="1">
+                <a:solidFill>
+                  <a:srgbClr val="000000"/>
+                </a:solidFill>
+                <a:latin typeface="Consolas" panose="020B0609020204030204" pitchFamily="49" charset="0"/>
+              </a:rPr>
+              <a:t>.</a:t>
+            </a:r>
+            <a:r>
+              <a:rPr lang="en-IN" sz="1800" b="1" dirty="0" err="1">
+                <a:solidFill>
+                  <a:srgbClr val="0000C0"/>
+                </a:solidFill>
+                <a:latin typeface="Consolas" panose="020B0609020204030204" pitchFamily="49" charset="0"/>
+              </a:rPr>
+              <a:t>productId</a:t>
+            </a:r>
+            <a:r>
+              <a:rPr lang="en-IN" sz="1800" b="1" dirty="0">
+                <a:solidFill>
+                  <a:srgbClr val="000000"/>
+                </a:solidFill>
+                <a:latin typeface="Consolas" panose="020B0609020204030204" pitchFamily="49" charset="0"/>
+              </a:rPr>
+              <a:t> = </a:t>
+            </a:r>
+            <a:r>
+              <a:rPr lang="en-IN" sz="1800" b="1" dirty="0" err="1">
+                <a:solidFill>
+                  <a:srgbClr val="6A3E3E"/>
+                </a:solidFill>
+                <a:latin typeface="Consolas" panose="020B0609020204030204" pitchFamily="49" charset="0"/>
+              </a:rPr>
+              <a:t>productCreatedEvent</a:t>
+            </a:r>
+            <a:r>
+              <a:rPr lang="en-IN" sz="1800" b="1" dirty="0" err="1">
+                <a:solidFill>
+                  <a:srgbClr val="000000"/>
+                </a:solidFill>
+                <a:latin typeface="Consolas" panose="020B0609020204030204" pitchFamily="49" charset="0"/>
+              </a:rPr>
+              <a:t>.getProductId</a:t>
+            </a:r>
+            <a:r>
+              <a:rPr lang="en-IN" sz="1800" b="1" dirty="0">
+                <a:solidFill>
+                  <a:srgbClr val="000000"/>
+                </a:solidFill>
+                <a:latin typeface="Consolas" panose="020B0609020204030204" pitchFamily="49" charset="0"/>
+              </a:rPr>
+              <a:t>();</a:t>
+            </a:r>
+          </a:p>
+          <a:p>
+            <a:pPr algn="l"/>
+            <a:r>
+              <a:rPr lang="en-IN" sz="1800" dirty="0">
+                <a:solidFill>
+                  <a:srgbClr val="000000"/>
+                </a:solidFill>
+                <a:latin typeface="Consolas" panose="020B0609020204030204" pitchFamily="49" charset="0"/>
+              </a:rPr>
+              <a:t>        </a:t>
+            </a:r>
+            <a:r>
+              <a:rPr lang="en-IN" sz="1800" b="1" dirty="0" err="1">
+                <a:solidFill>
+                  <a:srgbClr val="7F0055"/>
+                </a:solidFill>
+                <a:latin typeface="Consolas" panose="020B0609020204030204" pitchFamily="49" charset="0"/>
+              </a:rPr>
+              <a:t>this</a:t>
+            </a:r>
+            <a:r>
+              <a:rPr lang="en-IN" sz="1800" b="1" dirty="0" err="1">
+                <a:solidFill>
+                  <a:srgbClr val="000000"/>
+                </a:solidFill>
+                <a:latin typeface="Consolas" panose="020B0609020204030204" pitchFamily="49" charset="0"/>
+              </a:rPr>
+              <a:t>.</a:t>
+            </a:r>
+            <a:r>
+              <a:rPr lang="en-IN" sz="1800" b="1" dirty="0" err="1">
+                <a:solidFill>
+                  <a:srgbClr val="0000C0"/>
+                </a:solidFill>
+                <a:latin typeface="Consolas" panose="020B0609020204030204" pitchFamily="49" charset="0"/>
+              </a:rPr>
+              <a:t>price</a:t>
+            </a:r>
+            <a:r>
+              <a:rPr lang="en-IN" sz="1800" b="1" dirty="0">
+                <a:solidFill>
+                  <a:srgbClr val="000000"/>
+                </a:solidFill>
+                <a:latin typeface="Consolas" panose="020B0609020204030204" pitchFamily="49" charset="0"/>
+              </a:rPr>
+              <a:t> = </a:t>
+            </a:r>
+            <a:r>
+              <a:rPr lang="en-IN" sz="1800" b="1" dirty="0" err="1">
+                <a:solidFill>
+                  <a:srgbClr val="6A3E3E"/>
+                </a:solidFill>
+                <a:latin typeface="Consolas" panose="020B0609020204030204" pitchFamily="49" charset="0"/>
+              </a:rPr>
+              <a:t>productCreatedEvent</a:t>
+            </a:r>
+            <a:r>
+              <a:rPr lang="en-IN" sz="1800" b="1" dirty="0" err="1">
+                <a:solidFill>
+                  <a:srgbClr val="000000"/>
+                </a:solidFill>
+                <a:latin typeface="Consolas" panose="020B0609020204030204" pitchFamily="49" charset="0"/>
+              </a:rPr>
+              <a:t>.getPrice</a:t>
+            </a:r>
+            <a:r>
+              <a:rPr lang="en-IN" sz="1800" b="1" dirty="0">
+                <a:solidFill>
+                  <a:srgbClr val="000000"/>
+                </a:solidFill>
+                <a:latin typeface="Consolas" panose="020B0609020204030204" pitchFamily="49" charset="0"/>
+              </a:rPr>
+              <a:t>();</a:t>
+            </a:r>
+          </a:p>
+          <a:p>
+            <a:pPr algn="l"/>
+            <a:r>
+              <a:rPr lang="en-IN" sz="1800" dirty="0">
+                <a:solidFill>
+                  <a:srgbClr val="000000"/>
+                </a:solidFill>
+                <a:latin typeface="Consolas" panose="020B0609020204030204" pitchFamily="49" charset="0"/>
+              </a:rPr>
+              <a:t>        </a:t>
+            </a:r>
+            <a:r>
+              <a:rPr lang="en-IN" sz="1800" b="1" dirty="0">
+                <a:solidFill>
+                  <a:srgbClr val="7F0055"/>
+                </a:solidFill>
+                <a:latin typeface="Consolas" panose="020B0609020204030204" pitchFamily="49" charset="0"/>
+              </a:rPr>
+              <a:t>this</a:t>
+            </a:r>
+            <a:r>
+              <a:rPr lang="en-IN" sz="1800" b="1" dirty="0">
+                <a:solidFill>
+                  <a:srgbClr val="000000"/>
+                </a:solidFill>
+                <a:latin typeface="Consolas" panose="020B0609020204030204" pitchFamily="49" charset="0"/>
+              </a:rPr>
+              <a:t>.</a:t>
+            </a:r>
+            <a:r>
+              <a:rPr lang="en-IN" sz="1800" b="1" dirty="0">
+                <a:solidFill>
+                  <a:srgbClr val="0000C0"/>
+                </a:solidFill>
+                <a:latin typeface="Consolas" panose="020B0609020204030204" pitchFamily="49" charset="0"/>
+              </a:rPr>
+              <a:t>name</a:t>
+            </a:r>
+            <a:r>
+              <a:rPr lang="en-IN" sz="1800" b="1" dirty="0">
+                <a:solidFill>
+                  <a:srgbClr val="000000"/>
+                </a:solidFill>
+                <a:latin typeface="Consolas" panose="020B0609020204030204" pitchFamily="49" charset="0"/>
+              </a:rPr>
+              <a:t> = </a:t>
+            </a:r>
+            <a:r>
+              <a:rPr lang="en-IN" sz="1800" b="1" dirty="0" err="1">
+                <a:solidFill>
+                  <a:srgbClr val="6A3E3E"/>
+                </a:solidFill>
+                <a:latin typeface="Consolas" panose="020B0609020204030204" pitchFamily="49" charset="0"/>
+              </a:rPr>
+              <a:t>productCreatedEvent</a:t>
+            </a:r>
+            <a:r>
+              <a:rPr lang="en-IN" sz="1800" b="1" dirty="0" err="1">
+                <a:solidFill>
+                  <a:srgbClr val="000000"/>
+                </a:solidFill>
+                <a:latin typeface="Consolas" panose="020B0609020204030204" pitchFamily="49" charset="0"/>
+              </a:rPr>
+              <a:t>.getName</a:t>
+            </a:r>
+            <a:r>
+              <a:rPr lang="en-IN" sz="1800" b="1" dirty="0">
+                <a:solidFill>
+                  <a:srgbClr val="000000"/>
+                </a:solidFill>
+                <a:latin typeface="Consolas" panose="020B0609020204030204" pitchFamily="49" charset="0"/>
+              </a:rPr>
+              <a:t>();</a:t>
+            </a:r>
+          </a:p>
+          <a:p>
+            <a:pPr algn="l"/>
+            <a:r>
+              <a:rPr lang="en-IN" sz="1800" dirty="0">
+                <a:solidFill>
+                  <a:srgbClr val="000000"/>
+                </a:solidFill>
+                <a:latin typeface="Consolas" panose="020B0609020204030204" pitchFamily="49" charset="0"/>
+              </a:rPr>
+              <a:t>    }</a:t>
+            </a:r>
+            <a:endParaRPr lang="en-IN" dirty="0"/>
+          </a:p>
+        </p:txBody>
+      </p:sp>
+    </p:spTree>
+    <p:extLst>
+      <p:ext uri="{BB962C8B-B14F-4D97-AF65-F5344CB8AC3E}">
+        <p14:creationId xmlns:p14="http://schemas.microsoft.com/office/powerpoint/2010/main" val="3465913337"/>
+      </p:ext>
+    </p:extLst>
+  </p:cSld>
+  <p:clrMapOvr>
+    <a:masterClrMapping/>
+  </p:clrMapOvr>
+</p:sld>
+</file>
+
 <file path=ppt/slides/slide2.xml><?xml version="1.0" encoding="utf-8"?>
 <p:sld xmlns:a="http://schemas.openxmlformats.org/drawingml/2006/main" xmlns:r="http://schemas.openxmlformats.org/officeDocument/2006/relationships" xmlns:p="http://schemas.openxmlformats.org/presentationml/2006/main">
   <p:cSld>
@@ -3776,7 +7278,33 @@
                 </a:highlight>
                 <a:latin typeface="RedHatDisplay"/>
               </a:rPr>
-              <a:t>Understanding the CRQS pattern</a:t>
+              <a:t>Understanding </a:t>
+            </a:r>
+            <a:r>
+              <a:rPr lang="en-US" sz="4000" b="0" i="0">
+                <a:solidFill>
+                  <a:srgbClr val="141414"/>
+                </a:solidFill>
+                <a:effectLst/>
+                <a:highlight>
+                  <a:srgbClr val="FFFF00"/>
+                </a:highlight>
+                <a:latin typeface="RedHatDisplay"/>
+              </a:rPr>
+              <a:t>the CQRS </a:t>
+            </a:r>
+            <a:r>
+              <a:rPr lang="en-US" sz="4000" b="0" i="0" dirty="0">
+                <a:solidFill>
+                  <a:srgbClr val="141414"/>
+                </a:solidFill>
+                <a:effectLst/>
+                <a:highlight>
+                  <a:srgbClr val="FFFF00"/>
+                </a:highlight>
+                <a:latin typeface="RedHatDisplay"/>
+              </a:rPr>
+              <a:t>pattern</a:t>
             </a:r>
           </a:p>
           <a:p>
